--- a/week2/slides/intro-to-regression.pptx
+++ b/week2/slides/intro-to-regression.pptx
@@ -6,10 +6,10 @@
     <p:sldMasterId id="2147484243" r:id="rId5"/>
   </p:sldMasterIdLst>
   <p:notesMasterIdLst>
-    <p:notesMasterId r:id="rId27"/>
+    <p:notesMasterId r:id="rId28"/>
   </p:notesMasterIdLst>
   <p:handoutMasterIdLst>
-    <p:handoutMasterId r:id="rId28"/>
+    <p:handoutMasterId r:id="rId29"/>
   </p:handoutMasterIdLst>
   <p:sldIdLst>
     <p:sldId id="1228" r:id="rId6"/>
@@ -32,7 +32,8 @@
     <p:sldId id="1333" r:id="rId23"/>
     <p:sldId id="1334" r:id="rId24"/>
     <p:sldId id="1335" r:id="rId25"/>
-    <p:sldId id="1317" r:id="rId26"/>
+    <p:sldId id="1336" r:id="rId26"/>
+    <p:sldId id="1337" r:id="rId27"/>
   </p:sldIdLst>
   <p:sldSz cx="12436475" cy="6994525"/>
   <p:notesSz cx="6858000" cy="9144000"/>
@@ -156,7 +157,8 @@
             <p14:sldId id="1333"/>
             <p14:sldId id="1334"/>
             <p14:sldId id="1335"/>
-            <p14:sldId id="1317"/>
+            <p14:sldId id="1336"/>
+            <p14:sldId id="1337"/>
           </p14:sldIdLst>
         </p14:section>
       </p14:sectionLst>
@@ -292,7 +294,7 @@
               <a:rPr lang="en-US" smtClean="0">
                 <a:latin typeface="Segoe UI" pitchFamily="34" charset="0"/>
               </a:rPr>
-              <a:t>6/23/2015 10:22 AM</a:t>
+              <a:t>6/24/2015 6:55 PM</a:t>
             </a:fld>
             <a:endParaRPr lang="en-US" dirty="0">
               <a:latin typeface="Segoe UI" pitchFamily="34" charset="0"/>
@@ -606,7 +608,7 @@
           <a:p>
             <a:fld id="{2DFDA5C7-BBAE-481E-8BF7-731156A2E2C1}" type="datetime8">
               <a:rPr lang="en-US" smtClean="0"/>
-              <a:t>6/23/2015 10:22 AM</a:t>
+              <a:t>6/24/2015 6:55 PM</a:t>
             </a:fld>
             <a:endParaRPr lang="en-US" dirty="0"/>
           </a:p>
@@ -994,7 +996,7 @@
           <a:p>
             <a:fld id="{2DFDA5C7-BBAE-481E-8BF7-731156A2E2C1}" type="datetime8">
               <a:rPr lang="en-US" smtClean="0"/>
-              <a:t>6/23/2015 10:22 AM</a:t>
+              <a:t>6/24/2015 6:55 PM</a:t>
             </a:fld>
             <a:endParaRPr lang="en-US" dirty="0"/>
           </a:p>
@@ -1152,7 +1154,7 @@
           <a:p>
             <a:fld id="{64DAA8B1-71E0-4ED8-9A80-C398012240B1}" type="datetime8">
               <a:rPr lang="en-US" smtClean="0"/>
-              <a:t>6/24/2015 9:50 AM</a:t>
+              <a:t>6/24/2015 6:55 PM</a:t>
             </a:fld>
             <a:endParaRPr lang="en-US" dirty="0"/>
           </a:p>
@@ -1359,7 +1361,7 @@
           <a:p>
             <a:fld id="{64DAA8B1-71E0-4ED8-9A80-C398012240B1}" type="datetime8">
               <a:rPr lang="en-US" smtClean="0"/>
-              <a:t>6/24/2015 9:53 AM</a:t>
+              <a:t>6/24/2015 6:55 PM</a:t>
             </a:fld>
             <a:endParaRPr lang="en-US" dirty="0"/>
           </a:p>
@@ -1566,7 +1568,7 @@
           <a:p>
             <a:fld id="{64DAA8B1-71E0-4ED8-9A80-C398012240B1}" type="datetime8">
               <a:rPr lang="en-US" smtClean="0"/>
-              <a:t>6/24/2015 9:53 AM</a:t>
+              <a:t>6/24/2015 6:55 PM</a:t>
             </a:fld>
             <a:endParaRPr lang="en-US" dirty="0"/>
           </a:p>
@@ -1773,7 +1775,7 @@
           <a:p>
             <a:fld id="{64DAA8B1-71E0-4ED8-9A80-C398012240B1}" type="datetime8">
               <a:rPr lang="en-US" smtClean="0"/>
-              <a:t>6/23/2015 10:22 AM</a:t>
+              <a:t>6/24/2015 6:55 PM</a:t>
             </a:fld>
             <a:endParaRPr lang="en-US" dirty="0"/>
           </a:p>
@@ -1980,7 +1982,7 @@
           <a:p>
             <a:fld id="{64DAA8B1-71E0-4ED8-9A80-C398012240B1}" type="datetime8">
               <a:rPr lang="en-US" smtClean="0"/>
-              <a:t>6/23/2015 10:22 AM</a:t>
+              <a:t>6/24/2015 6:55 PM</a:t>
             </a:fld>
             <a:endParaRPr lang="en-US" dirty="0"/>
           </a:p>
@@ -2187,7 +2189,7 @@
           <a:p>
             <a:fld id="{64DAA8B1-71E0-4ED8-9A80-C398012240B1}" type="datetime8">
               <a:rPr lang="en-US" smtClean="0"/>
-              <a:t>6/23/2015 8:02 PM</a:t>
+              <a:t>6/24/2015 6:55 PM</a:t>
             </a:fld>
             <a:endParaRPr lang="en-US" dirty="0"/>
           </a:p>
@@ -2394,7 +2396,7 @@
           <a:p>
             <a:fld id="{64DAA8B1-71E0-4ED8-9A80-C398012240B1}" type="datetime8">
               <a:rPr lang="en-US" smtClean="0"/>
-              <a:t>6/23/2015 10:28 AM</a:t>
+              <a:t>6/24/2015 6:55 PM</a:t>
             </a:fld>
             <a:endParaRPr lang="en-US" dirty="0"/>
           </a:p>
@@ -2601,7 +2603,7 @@
           <a:p>
             <a:fld id="{64DAA8B1-71E0-4ED8-9A80-C398012240B1}" type="datetime8">
               <a:rPr lang="en-US" smtClean="0"/>
-              <a:t>6/24/2015 10:04 AM</a:t>
+              <a:t>6/24/2015 6:55 PM</a:t>
             </a:fld>
             <a:endParaRPr lang="en-US" dirty="0"/>
           </a:p>
@@ -2808,7 +2810,7 @@
           <a:p>
             <a:fld id="{64DAA8B1-71E0-4ED8-9A80-C398012240B1}" type="datetime8">
               <a:rPr lang="en-US" smtClean="0"/>
-              <a:t>6/24/2015 10:26 AM</a:t>
+              <a:t>6/24/2015 6:55 PM</a:t>
             </a:fld>
             <a:endParaRPr lang="en-US" dirty="0"/>
           </a:p>
@@ -3015,7 +3017,7 @@
           <a:p>
             <a:fld id="{64DAA8B1-71E0-4ED8-9A80-C398012240B1}" type="datetime8">
               <a:rPr lang="en-US" smtClean="0"/>
-              <a:t>6/24/2015 10:28 AM</a:t>
+              <a:t>6/24/2015 6:55 PM</a:t>
             </a:fld>
             <a:endParaRPr lang="en-US" dirty="0"/>
           </a:p>
@@ -3222,7 +3224,7 @@
           <a:p>
             <a:fld id="{64DAA8B1-71E0-4ED8-9A80-C398012240B1}" type="datetime8">
               <a:rPr lang="en-US" smtClean="0"/>
-              <a:t>6/23/2015 10:22 AM</a:t>
+              <a:t>6/24/2015 6:55 PM</a:t>
             </a:fld>
             <a:endParaRPr lang="en-US" dirty="0"/>
           </a:p>
@@ -3429,7 +3431,7 @@
           <a:p>
             <a:fld id="{64DAA8B1-71E0-4ED8-9A80-C398012240B1}" type="datetime8">
               <a:rPr lang="en-US" smtClean="0"/>
-              <a:t>6/24/2015 10:30 AM</a:t>
+              <a:t>6/24/2015 6:55 PM</a:t>
             </a:fld>
             <a:endParaRPr lang="en-US" dirty="0"/>
           </a:p>
@@ -3636,7 +3638,7 @@
           <a:p>
             <a:fld id="{64DAA8B1-71E0-4ED8-9A80-C398012240B1}" type="datetime8">
               <a:rPr lang="en-US" smtClean="0"/>
-              <a:t>6/23/2015 10:22 AM</a:t>
+              <a:t>6/24/2015 6:55 PM</a:t>
             </a:fld>
             <a:endParaRPr lang="en-US" dirty="0"/>
           </a:p>
@@ -3718,7 +3720,214 @@
     </p:spTree>
     <p:extLst>
       <p:ext uri="{BB962C8B-B14F-4D97-AF65-F5344CB8AC3E}">
-        <p14:creationId xmlns:p14="http://schemas.microsoft.com/office/powerpoint/2010/main" val="3721560461"/>
+        <p14:creationId xmlns:p14="http://schemas.microsoft.com/office/powerpoint/2010/main" val="1702532509"/>
+      </p:ext>
+    </p:extLst>
+  </p:cSld>
+  <p:clrMapOvr>
+    <a:masterClrMapping/>
+  </p:clrMapOvr>
+</p:notes>
+</file>
+
+<file path=ppt/notesSlides/notesSlide22.xml><?xml version="1.0" encoding="utf-8"?>
+<p:notes xmlns:a="http://schemas.openxmlformats.org/drawingml/2006/main" xmlns:r="http://schemas.openxmlformats.org/officeDocument/2006/relationships" xmlns:p="http://schemas.openxmlformats.org/presentationml/2006/main">
+  <p:cSld>
+    <p:spTree>
+      <p:nvGrpSpPr>
+        <p:cNvPr id="1" name=""/>
+        <p:cNvGrpSpPr/>
+        <p:nvPr/>
+      </p:nvGrpSpPr>
+      <p:grpSpPr>
+        <a:xfrm>
+          <a:off x="0" y="0"/>
+          <a:ext cx="0" cy="0"/>
+          <a:chOff x="0" y="0"/>
+          <a:chExt cx="0" cy="0"/>
+        </a:xfrm>
+      </p:grpSpPr>
+      <p:sp>
+        <p:nvSpPr>
+          <p:cNvPr id="2" name="Slide Image Placeholder 1"/>
+          <p:cNvSpPr>
+            <a:spLocks noGrp="1" noRot="1" noChangeAspect="1"/>
+          </p:cNvSpPr>
+          <p:nvPr>
+            <p:ph type="sldImg"/>
+          </p:nvPr>
+        </p:nvSpPr>
+        <p:spPr>
+          <a:xfrm>
+            <a:off x="381000" y="685800"/>
+            <a:ext cx="6096000" cy="3429000"/>
+          </a:xfrm>
+          <a:prstGeom prst="rect">
+            <a:avLst/>
+          </a:prstGeom>
+        </p:spPr>
+      </p:sp>
+      <p:sp>
+        <p:nvSpPr>
+          <p:cNvPr id="3" name="Notes Placeholder 2"/>
+          <p:cNvSpPr>
+            <a:spLocks noGrp="1"/>
+          </p:cNvSpPr>
+          <p:nvPr>
+            <p:ph type="body" idx="1"/>
+          </p:nvPr>
+        </p:nvSpPr>
+        <p:spPr>
+          <a:xfrm>
+            <a:off x="685800" y="4343400"/>
+            <a:ext cx="5486400" cy="4114800"/>
+          </a:xfrm>
+          <a:prstGeom prst="rect">
+            <a:avLst/>
+          </a:prstGeom>
+        </p:spPr>
+        <p:txBody>
+          <a:bodyPr>
+            <a:normAutofit/>
+          </a:bodyPr>
+          <a:lstStyle/>
+          <a:p>
+            <a:endParaRPr lang="en-US"/>
+          </a:p>
+        </p:txBody>
+      </p:sp>
+      <p:sp>
+        <p:nvSpPr>
+          <p:cNvPr id="7" name="Slide Number Placeholder 6"/>
+          <p:cNvSpPr>
+            <a:spLocks noGrp="1"/>
+          </p:cNvSpPr>
+          <p:nvPr>
+            <p:ph type="sldNum" sz="quarter" idx="13"/>
+          </p:nvPr>
+        </p:nvSpPr>
+        <p:spPr>
+          <a:xfrm>
+            <a:off x="6172199" y="8685213"/>
+            <a:ext cx="684213" cy="457200"/>
+          </a:xfrm>
+          <a:prstGeom prst="rect">
+            <a:avLst/>
+          </a:prstGeom>
+        </p:spPr>
+        <p:txBody>
+          <a:bodyPr/>
+          <a:lstStyle/>
+          <a:p>
+            <a:fld id="{EC87E0CF-87F6-4B58-B8B8-DCAB2DAAF3CA}" type="slidenum">
+              <a:rPr lang="en-US" smtClean="0"/>
+              <a:pPr/>
+              <a:t>22</a:t>
+            </a:fld>
+            <a:endParaRPr lang="en-US" dirty="0"/>
+          </a:p>
+        </p:txBody>
+      </p:sp>
+      <p:sp>
+        <p:nvSpPr>
+          <p:cNvPr id="12" name="Date Placeholder 11"/>
+          <p:cNvSpPr>
+            <a:spLocks noGrp="1"/>
+          </p:cNvSpPr>
+          <p:nvPr>
+            <p:ph type="dt" idx="14"/>
+          </p:nvPr>
+        </p:nvSpPr>
+        <p:spPr/>
+        <p:txBody>
+          <a:bodyPr/>
+          <a:lstStyle/>
+          <a:p>
+            <a:fld id="{64DAA8B1-71E0-4ED8-9A80-C398012240B1}" type="datetime8">
+              <a:rPr lang="en-US" smtClean="0"/>
+              <a:t>6/24/2015 7:14 PM</a:t>
+            </a:fld>
+            <a:endParaRPr lang="en-US" dirty="0"/>
+          </a:p>
+        </p:txBody>
+      </p:sp>
+      <p:sp>
+        <p:nvSpPr>
+          <p:cNvPr id="13" name="Footer Placeholder 12"/>
+          <p:cNvSpPr>
+            <a:spLocks noGrp="1"/>
+          </p:cNvSpPr>
+          <p:nvPr>
+            <p:ph type="ftr" sz="quarter" idx="15"/>
+          </p:nvPr>
+        </p:nvSpPr>
+        <p:spPr/>
+        <p:txBody>
+          <a:bodyPr/>
+          <a:lstStyle/>
+          <a:p>
+            <a:pPr defTabSz="914099" eaLnBrk="0" hangingPunct="0"/>
+            <a:r>
+              <a:rPr lang="en-US" sz="400" smtClean="0">
+                <a:gradFill>
+                  <a:gsLst>
+                    <a:gs pos="0">
+                      <a:prstClr val="black"/>
+                    </a:gs>
+                    <a:gs pos="100000">
+                      <a:prstClr val="black"/>
+                    </a:gs>
+                  </a:gsLst>
+                  <a:lin ang="5400000" scaled="0"/>
+                </a:gradFill>
+                <a:latin typeface="Segoe UI" pitchFamily="34" charset="0"/>
+                <a:ea typeface="Segoe UI" pitchFamily="34" charset="0"/>
+                <a:cs typeface="Segoe UI" pitchFamily="34" charset="0"/>
+              </a:rPr>
+              <a:t>© 2013 Microsoft Corporation. All rights reserved. Microsoft, Windows, and other product names are or may be registered trademarks and/or trademarks in the U.S. and/or other countries. The information herein is for informational purposes only and represents the current view of Microsoft Corporation as of the date of this presentation.  Because Microsoft must respond to changing market conditions, it should not be interpreted to be a commitment on the part of Microsoft, and Microsoft cannot guarantee the accuracy of any information provided after the date of this presentation.  MICROSOFT MAKES NO WARRANTIES, EXPRESS, IMPLIED OR STATUTORY, AS TO THE INFORMATION IN THIS PRESENTATION.</a:t>
+            </a:r>
+            <a:endParaRPr lang="en-US" sz="400" dirty="0" smtClean="0">
+              <a:gradFill>
+                <a:gsLst>
+                  <a:gs pos="0">
+                    <a:prstClr val="black"/>
+                  </a:gs>
+                  <a:gs pos="100000">
+                    <a:prstClr val="black"/>
+                  </a:gs>
+                </a:gsLst>
+                <a:lin ang="5400000" scaled="0"/>
+              </a:gradFill>
+              <a:latin typeface="Segoe UI" pitchFamily="34" charset="0"/>
+              <a:ea typeface="Segoe UI" pitchFamily="34" charset="0"/>
+              <a:cs typeface="Segoe UI" pitchFamily="34" charset="0"/>
+            </a:endParaRPr>
+          </a:p>
+        </p:txBody>
+      </p:sp>
+      <p:sp>
+        <p:nvSpPr>
+          <p:cNvPr id="14" name="Header Placeholder 13"/>
+          <p:cNvSpPr>
+            <a:spLocks noGrp="1"/>
+          </p:cNvSpPr>
+          <p:nvPr>
+            <p:ph type="hdr" sz="quarter" idx="16"/>
+          </p:nvPr>
+        </p:nvSpPr>
+        <p:spPr/>
+        <p:txBody>
+          <a:bodyPr/>
+          <a:lstStyle/>
+          <a:p>
+            <a:endParaRPr lang="en-US" dirty="0"/>
+          </a:p>
+        </p:txBody>
+      </p:sp>
+    </p:spTree>
+    <p:extLst>
+      <p:ext uri="{BB962C8B-B14F-4D97-AF65-F5344CB8AC3E}">
+        <p14:creationId xmlns:p14="http://schemas.microsoft.com/office/powerpoint/2010/main" val="3118302557"/>
       </p:ext>
     </p:extLst>
   </p:cSld>
@@ -3843,7 +4052,7 @@
           <a:p>
             <a:fld id="{64DAA8B1-71E0-4ED8-9A80-C398012240B1}" type="datetime8">
               <a:rPr lang="en-US" smtClean="0"/>
-              <a:t>6/23/2015 10:22 AM</a:t>
+              <a:t>6/24/2015 6:55 PM</a:t>
             </a:fld>
             <a:endParaRPr lang="en-US" dirty="0"/>
           </a:p>
@@ -4050,7 +4259,7 @@
           <a:p>
             <a:fld id="{64DAA8B1-71E0-4ED8-9A80-C398012240B1}" type="datetime8">
               <a:rPr lang="en-US" smtClean="0"/>
-              <a:t>6/23/2015 10:22 AM</a:t>
+              <a:t>6/24/2015 6:55 PM</a:t>
             </a:fld>
             <a:endParaRPr lang="en-US" dirty="0"/>
           </a:p>
@@ -4257,7 +4466,7 @@
           <a:p>
             <a:fld id="{64DAA8B1-71E0-4ED8-9A80-C398012240B1}" type="datetime8">
               <a:rPr lang="en-US" smtClean="0"/>
-              <a:t>6/23/2015 10:22 AM</a:t>
+              <a:t>6/24/2015 6:55 PM</a:t>
             </a:fld>
             <a:endParaRPr lang="en-US" dirty="0"/>
           </a:p>
@@ -4464,7 +4673,7 @@
           <a:p>
             <a:fld id="{64DAA8B1-71E0-4ED8-9A80-C398012240B1}" type="datetime8">
               <a:rPr lang="en-US" smtClean="0"/>
-              <a:t>6/23/2015 10:22 AM</a:t>
+              <a:t>6/24/2015 6:55 PM</a:t>
             </a:fld>
             <a:endParaRPr lang="en-US" dirty="0"/>
           </a:p>
@@ -4698,7 +4907,7 @@
           <a:p>
             <a:fld id="{2DFDA5C7-BBAE-481E-8BF7-731156A2E2C1}" type="datetime8">
               <a:rPr lang="en-US" smtClean="0"/>
-              <a:t>6/24/2015 9:42 AM</a:t>
+              <a:t>6/24/2015 6:55 PM</a:t>
             </a:fld>
             <a:endParaRPr lang="en-US" dirty="0"/>
           </a:p>
@@ -4856,7 +5065,7 @@
           <a:p>
             <a:fld id="{64DAA8B1-71E0-4ED8-9A80-C398012240B1}" type="datetime8">
               <a:rPr lang="en-US" smtClean="0"/>
-              <a:t>6/24/2015 9:43 AM</a:t>
+              <a:t>6/24/2015 6:55 PM</a:t>
             </a:fld>
             <a:endParaRPr lang="en-US" dirty="0"/>
           </a:p>
@@ -5063,7 +5272,7 @@
           <a:p>
             <a:fld id="{64DAA8B1-71E0-4ED8-9A80-C398012240B1}" type="datetime8">
               <a:rPr lang="en-US" smtClean="0"/>
-              <a:t>6/23/2015 10:22 AM</a:t>
+              <a:t>6/24/2015 6:55 PM</a:t>
             </a:fld>
             <a:endParaRPr lang="en-US" dirty="0"/>
           </a:p>
@@ -21871,8 +22080,8 @@
           </a:fontRef>
         </p:style>
       </p:cxnSp>
-      <mc:AlternateContent xmlns:mc="http://schemas.openxmlformats.org/markup-compatibility/2006">
-        <mc:Choice xmlns:a14="http://schemas.microsoft.com/office/drawing/2010/main" Requires="a14">
+      <mc:AlternateContent xmlns:mc="http://schemas.openxmlformats.org/markup-compatibility/2006" xmlns:a14="http://schemas.microsoft.com/office/drawing/2010/main">
+        <mc:Choice Requires="a14">
           <p:sp>
             <p:nvSpPr>
               <p:cNvPr id="8" name="Rectangle 7"/>
@@ -21931,7 +22140,7 @@
             </p:txBody>
           </p:sp>
         </mc:Choice>
-        <mc:Fallback>
+        <mc:Fallback xmlns="">
           <p:sp>
             <p:nvSpPr>
               <p:cNvPr id="8" name="Rectangle 7"/>
@@ -22007,8 +22216,8 @@
           </a:fontRef>
         </p:style>
       </p:cxnSp>
-      <mc:AlternateContent xmlns:mc="http://schemas.openxmlformats.org/markup-compatibility/2006">
-        <mc:Choice xmlns:a14="http://schemas.microsoft.com/office/drawing/2010/main" Requires="a14">
+      <mc:AlternateContent xmlns:mc="http://schemas.openxmlformats.org/markup-compatibility/2006" xmlns:a14="http://schemas.microsoft.com/office/drawing/2010/main">
+        <mc:Choice Requires="a14">
           <p:sp>
             <p:nvSpPr>
               <p:cNvPr id="12" name="Rectangle 11"/>
@@ -22061,7 +22270,7 @@
             </p:txBody>
           </p:sp>
         </mc:Choice>
-        <mc:Fallback>
+        <mc:Fallback xmlns="">
           <p:sp>
             <p:nvSpPr>
               <p:cNvPr id="12" name="Rectangle 11"/>
@@ -22513,8 +22722,8 @@
           </a:prstGeom>
         </p:spPr>
       </p:pic>
-      <mc:AlternateContent xmlns:mc="http://schemas.openxmlformats.org/markup-compatibility/2006">
-        <mc:Choice xmlns:a14="http://schemas.microsoft.com/office/drawing/2010/main" Requires="a14">
+      <mc:AlternateContent xmlns:mc="http://schemas.openxmlformats.org/markup-compatibility/2006" xmlns:a14="http://schemas.microsoft.com/office/drawing/2010/main">
+        <mc:Choice Requires="a14">
           <p:sp>
             <p:nvSpPr>
               <p:cNvPr id="5" name="TextBox 4"/>
@@ -22559,23 +22768,7 @@
                       <a:lin ang="5400000" scaled="0"/>
                     </a:gradFill>
                   </a:rPr>
-                  <a:t>A linear function tends </a:t>
-                </a:r>
-                <a:r>
-                  <a:rPr lang="en-US" sz="2400" dirty="0" smtClean="0">
-                    <a:gradFill>
-                      <a:gsLst>
-                        <a:gs pos="2917">
-                          <a:schemeClr val="tx1"/>
-                        </a:gs>
-                        <a:gs pos="30000">
-                          <a:schemeClr val="tx1"/>
-                        </a:gs>
-                      </a:gsLst>
-                      <a:lin ang="5400000" scaled="0"/>
-                    </a:gradFill>
-                  </a:rPr>
-                  <a:t>to </a:t>
+                  <a:t>A linear function tends to </a:t>
                 </a:r>
                 <a:r>
                   <a:rPr lang="en-US" sz="2400" dirty="0">
@@ -22753,7 +22946,7 @@
             </p:txBody>
           </p:sp>
         </mc:Choice>
-        <mc:Fallback>
+        <mc:Fallback xmlns="">
           <p:sp>
             <p:nvSpPr>
               <p:cNvPr id="5" name="TextBox 4"/>
@@ -22913,13 +23106,13 @@
   <p:clrMapOvr>
     <a:masterClrMapping/>
   </p:clrMapOvr>
-  <mc:AlternateContent xmlns:mc="http://schemas.openxmlformats.org/markup-compatibility/2006">
-    <mc:Choice xmlns:p14="http://schemas.microsoft.com/office/powerpoint/2010/main" Requires="p14">
+  <mc:AlternateContent xmlns:mc="http://schemas.openxmlformats.org/markup-compatibility/2006" xmlns:p14="http://schemas.microsoft.com/office/powerpoint/2010/main">
+    <mc:Choice Requires="p14">
       <p:transition spd="med" p14:dur="700">
         <p:fade/>
       </p:transition>
     </mc:Choice>
-    <mc:Fallback>
+    <mc:Fallback xmlns="">
       <p:transition spd="med">
         <p:fade/>
       </p:transition>
@@ -23010,7 +23203,6 @@
             </a:endParaRPr>
           </a:p>
           <a:p>
-            <a:pPr/>
             <a:endParaRPr lang="en-US" sz="3600" dirty="0" smtClean="0">
               <a:solidFill>
                 <a:schemeClr val="tx1"/>
@@ -23033,8 +23225,8 @@
           </a:p>
         </p:txBody>
       </p:sp>
-      <mc:AlternateContent xmlns:mc="http://schemas.openxmlformats.org/markup-compatibility/2006">
-        <mc:Choice xmlns:a14="http://schemas.microsoft.com/office/drawing/2010/main" Requires="a14">
+      <mc:AlternateContent xmlns:mc="http://schemas.openxmlformats.org/markup-compatibility/2006" xmlns:a14="http://schemas.microsoft.com/office/drawing/2010/main">
+        <mc:Choice Requires="a14">
           <p:sp>
             <p:nvSpPr>
               <p:cNvPr id="5" name="TextBox 4"/>
@@ -23081,19 +23273,6 @@
                   </a:rPr>
                   <a:t>A cubic polynomial fits the data much better</a:t>
                 </a:r>
-                <a:endParaRPr lang="en-US" sz="2400" dirty="0" smtClean="0">
-                  <a:gradFill>
-                    <a:gsLst>
-                      <a:gs pos="2917">
-                        <a:schemeClr val="tx1"/>
-                      </a:gs>
-                      <a:gs pos="30000">
-                        <a:schemeClr val="tx1"/>
-                      </a:gs>
-                    </a:gsLst>
-                    <a:lin ang="5400000" scaled="0"/>
-                  </a:gradFill>
-                </a:endParaRPr>
               </a:p>
               <a:p>
                 <a:pPr>
@@ -23457,7 +23636,7 @@
                       <m:sSubSup>
                         <m:sSubSupPr>
                           <m:ctrlPr>
-                            <a:rPr lang="en-US" sz="2400" b="0" i="0" smtClean="0">
+                            <a:rPr lang="en-US" sz="2400" b="0" i="1" smtClean="0">
                               <a:gradFill>
                                 <a:gsLst>
                                   <a:gs pos="2917">
@@ -23742,7 +23921,7 @@
             </p:txBody>
           </p:sp>
         </mc:Choice>
-        <mc:Fallback>
+        <mc:Fallback xmlns="">
           <p:sp>
             <p:nvSpPr>
               <p:cNvPr id="5" name="TextBox 4"/>
@@ -23962,8 +24141,8 @@
           </a:prstGeom>
         </p:spPr>
       </p:pic>
-      <mc:AlternateContent xmlns:mc="http://schemas.openxmlformats.org/markup-compatibility/2006">
-        <mc:Choice xmlns:a14="http://schemas.microsoft.com/office/drawing/2010/main" Requires="a14">
+      <mc:AlternateContent xmlns:mc="http://schemas.openxmlformats.org/markup-compatibility/2006" xmlns:a14="http://schemas.microsoft.com/office/drawing/2010/main">
+        <mc:Choice Requires="a14">
           <p:sp>
             <p:nvSpPr>
               <p:cNvPr id="3" name="Rectangle 2"/>
@@ -23985,6 +24164,7 @@
               </a:bodyPr>
               <a:lstStyle/>
               <a:p>
+                <a:pPr/>
                 <a14:m>
                   <m:oMathPara xmlns:m="http://schemas.openxmlformats.org/officeDocument/2006/math">
                     <m:oMathParaPr>
@@ -24166,7 +24346,7 @@
             </p:txBody>
           </p:sp>
         </mc:Choice>
-        <mc:Fallback>
+        <mc:Fallback xmlns="">
           <p:sp>
             <p:nvSpPr>
               <p:cNvPr id="3" name="Rectangle 2"/>
@@ -24283,19 +24463,6 @@
               </a:rPr>
               <a:t> and seniority could approximate this function </a:t>
             </a:r>
-            <a:endParaRPr lang="en-US" dirty="0" smtClean="0">
-              <a:gradFill>
-                <a:gsLst>
-                  <a:gs pos="2917">
-                    <a:schemeClr val="tx1"/>
-                  </a:gs>
-                  <a:gs pos="30000">
-                    <a:schemeClr val="tx1"/>
-                  </a:gs>
-                </a:gsLst>
-                <a:lin ang="5400000" scaled="0"/>
-              </a:gradFill>
-            </a:endParaRPr>
           </a:p>
         </p:txBody>
       </p:sp>
@@ -24365,30 +24532,14 @@
           <a:p>
             <a:r>
               <a:rPr lang="en-US" dirty="0" smtClean="0"/>
-              <a:t>First s</a:t>
-            </a:r>
-            <a:r>
-              <a:rPr lang="en-US" dirty="0" smtClean="0"/>
-              <a:t>teps </a:t>
-            </a:r>
-            <a:r>
-              <a:rPr lang="en-US" dirty="0" smtClean="0"/>
-              <a:t>to </a:t>
-            </a:r>
-            <a:r>
-              <a:rPr lang="en-US" dirty="0" smtClean="0"/>
-              <a:t>do a </a:t>
-            </a:r>
-            <a:r>
-              <a:rPr lang="en-US" dirty="0" smtClean="0"/>
-              <a:t>linear regression</a:t>
+              <a:t>First steps to do a linear regression</a:t>
             </a:r>
             <a:endParaRPr lang="en-US" dirty="0"/>
           </a:p>
         </p:txBody>
       </p:sp>
-      <mc:AlternateContent xmlns:mc="http://schemas.openxmlformats.org/markup-compatibility/2006">
-        <mc:Choice xmlns:a14="http://schemas.microsoft.com/office/drawing/2010/main" Requires="a14">
+      <mc:AlternateContent xmlns:mc="http://schemas.openxmlformats.org/markup-compatibility/2006" xmlns:a14="http://schemas.microsoft.com/office/drawing/2010/main">
+        <mc:Choice Requires="a14">
           <p:sp>
             <p:nvSpPr>
               <p:cNvPr id="3" name="Text Placeholder 2"/>
@@ -24427,21 +24578,8 @@
                       <a:schemeClr val="tx1"/>
                     </a:solidFill>
                   </a:rPr>
-                  <a:t>Define the relationship we are trying to </a:t>
+                  <a:t>Define the relationship we are trying to model. What is the outcome? What raw features do we have? E.g. </a:t>
                 </a:r>
-                <a:r>
-                  <a:rPr lang="en-US" sz="2400" dirty="0" smtClean="0">
-                    <a:solidFill>
-                      <a:schemeClr val="tx1"/>
-                    </a:solidFill>
-                  </a:rPr>
-                  <a:t>model. What is the outcome? What raw features do we have? E.g. </a:t>
-                </a:r>
-                <a:endParaRPr lang="en-US" sz="2400" dirty="0" smtClean="0">
-                  <a:solidFill>
-                    <a:schemeClr val="tx1"/>
-                  </a:solidFill>
-                </a:endParaRPr>
               </a:p>
               <a:p>
                 <a:pPr marL="519113" indent="-519113"/>
@@ -24656,11 +24794,6 @@
                   </a:rPr>
                   <a:t>approximate this relationship, e.g.</a:t>
                 </a:r>
-                <a:endParaRPr lang="en-US" sz="2400" dirty="0" smtClean="0">
-                  <a:solidFill>
-                    <a:schemeClr val="tx1"/>
-                  </a:solidFill>
-                </a:endParaRPr>
               </a:p>
               <a:p>
                 <a:pPr marL="519113" indent="-519113"/>
@@ -25110,25 +25243,8 @@
                     <a:latin typeface="Courier New" panose="02070309020205020404" pitchFamily="49" charset="0"/>
                     <a:cs typeface="Courier New" panose="02070309020205020404" pitchFamily="49" charset="0"/>
                   </a:rPr>
-                  <a:t>. </a:t>
+                  <a:t>. Age2=age^2 (or use poly)</a:t>
                 </a:r>
-                <a:r>
-                  <a:rPr lang="en-US" sz="2400" dirty="0" smtClean="0">
-                    <a:solidFill>
-                      <a:schemeClr val="tx1"/>
-                    </a:solidFill>
-                    <a:latin typeface="Courier New" panose="02070309020205020404" pitchFamily="49" charset="0"/>
-                    <a:cs typeface="Courier New" panose="02070309020205020404" pitchFamily="49" charset="0"/>
-                  </a:rPr>
-                  <a:t>Age2=age^2 (or use poly)</a:t>
-                </a:r>
-                <a:endParaRPr lang="en-US" sz="2400" dirty="0" smtClean="0">
-                  <a:solidFill>
-                    <a:schemeClr val="tx1"/>
-                  </a:solidFill>
-                  <a:latin typeface="Courier New" panose="02070309020205020404" pitchFamily="49" charset="0"/>
-                  <a:cs typeface="Courier New" panose="02070309020205020404" pitchFamily="49" charset="0"/>
-                </a:endParaRPr>
               </a:p>
               <a:p>
                 <a:pPr marL="519113" indent="-519113"/>
@@ -25150,17 +25266,7 @@
                     <a:latin typeface="+mn-lt"/>
                     <a:cs typeface="Courier New" panose="02070309020205020404" pitchFamily="49" charset="0"/>
                   </a:rPr>
-                  <a:t>Estimate the model</a:t>
-                </a:r>
-                <a:r>
-                  <a:rPr lang="en-US" sz="2400" dirty="0" smtClean="0">
-                    <a:solidFill>
-                      <a:schemeClr val="tx1"/>
-                    </a:solidFill>
-                    <a:latin typeface="+mn-lt"/>
-                    <a:cs typeface="Courier New" panose="02070309020205020404" pitchFamily="49" charset="0"/>
-                  </a:rPr>
-                  <a:t>:</a:t>
+                  <a:t>Estimate the model:</a:t>
                 </a:r>
               </a:p>
               <a:p>
@@ -25349,7 +25455,7 @@
             </p:txBody>
           </p:sp>
         </mc:Choice>
-        <mc:Fallback>
+        <mc:Fallback xmlns="">
           <p:sp>
             <p:nvSpPr>
               <p:cNvPr id="3" name="Text Placeholder 2"/>
@@ -25459,8 +25565,8 @@
           </a:p>
         </p:txBody>
       </p:sp>
-      <mc:AlternateContent xmlns:mc="http://schemas.openxmlformats.org/markup-compatibility/2006">
-        <mc:Choice xmlns:a14="http://schemas.microsoft.com/office/drawing/2010/main" Requires="a14">
+      <mc:AlternateContent xmlns:mc="http://schemas.openxmlformats.org/markup-compatibility/2006" xmlns:a14="http://schemas.microsoft.com/office/drawing/2010/main">
+        <mc:Choice Requires="a14">
           <p:sp>
             <p:nvSpPr>
               <p:cNvPr id="3" name="Text Placeholder 2"/>
@@ -25516,11 +25622,6 @@
                   </a:rPr>
                   <a:t>.</a:t>
                 </a:r>
-                <a:endParaRPr lang="en-US" sz="3200" dirty="0" smtClean="0">
-                  <a:solidFill>
-                    <a:schemeClr val="tx1"/>
-                  </a:solidFill>
-                </a:endParaRPr>
               </a:p>
               <a:p>
                 <a:pPr/>
@@ -25984,15 +26085,7 @@
                       <a:schemeClr val="tx1"/>
                     </a:solidFill>
                   </a:rPr>
-                  <a:t>2.    </a:t>
-                </a:r>
-                <a:r>
-                  <a:rPr lang="en-US" sz="3200" dirty="0" smtClean="0">
-                    <a:solidFill>
-                      <a:schemeClr val="tx1"/>
-                    </a:solidFill>
-                  </a:rPr>
-                  <a:t>For any given observation </a:t>
+                  <a:t>2.    For any given observation </a:t>
                 </a:r>
                 <a14:m>
                   <m:oMath xmlns:m="http://schemas.openxmlformats.org/officeDocument/2006/math">
@@ -26152,6 +26245,7 @@
                 </a:endParaRPr>
               </a:p>
               <a:p>
+                <a:pPr/>
                 <a14:m>
                   <m:oMathPara xmlns:m="http://schemas.openxmlformats.org/officeDocument/2006/math">
                     <m:oMathParaPr>
@@ -26361,6 +26455,7 @@
                 </a:endParaRPr>
               </a:p>
               <a:p>
+                <a:pPr/>
                 <a14:m>
                   <m:oMathPara xmlns:m="http://schemas.openxmlformats.org/officeDocument/2006/math">
                     <m:oMathParaPr>
@@ -26549,7 +26644,7 @@
             </p:txBody>
           </p:sp>
         </mc:Choice>
-        <mc:Fallback>
+        <mc:Fallback xmlns="">
           <p:sp>
             <p:nvSpPr>
               <p:cNvPr id="3" name="Text Placeholder 2"/>
@@ -26597,13 +26692,13 @@
   <p:clrMapOvr>
     <a:masterClrMapping/>
   </p:clrMapOvr>
-  <mc:AlternateContent xmlns:mc="http://schemas.openxmlformats.org/markup-compatibility/2006">
-    <mc:Choice xmlns:p14="http://schemas.microsoft.com/office/powerpoint/2010/main" Requires="p14">
+  <mc:AlternateContent xmlns:mc="http://schemas.openxmlformats.org/markup-compatibility/2006" xmlns:p14="http://schemas.microsoft.com/office/powerpoint/2010/main">
+    <mc:Choice Requires="p14">
       <p:transition spd="med" p14:dur="700">
         <p:fade/>
       </p:transition>
     </mc:Choice>
-    <mc:Fallback>
+    <mc:Fallback xmlns="">
       <p:transition spd="med">
         <p:fade/>
       </p:transition>
@@ -26777,13 +26872,13 @@
   <p:clrMapOvr>
     <a:masterClrMapping/>
   </p:clrMapOvr>
-  <mc:AlternateContent xmlns:mc="http://schemas.openxmlformats.org/markup-compatibility/2006">
-    <mc:Choice xmlns:p14="http://schemas.microsoft.com/office/powerpoint/2010/main" Requires="p14">
+  <mc:AlternateContent xmlns:mc="http://schemas.openxmlformats.org/markup-compatibility/2006" xmlns:p14="http://schemas.microsoft.com/office/powerpoint/2010/main">
+    <mc:Choice Requires="p14">
       <p:transition spd="med" p14:dur="700">
         <p:fade/>
       </p:transition>
     </mc:Choice>
-    <mc:Fallback>
+    <mc:Fallback xmlns="">
       <p:transition spd="med">
         <p:fade/>
       </p:transition>
@@ -26987,13 +27082,13 @@
   <p:clrMapOvr>
     <a:masterClrMapping/>
   </p:clrMapOvr>
-  <mc:AlternateContent xmlns:mc="http://schemas.openxmlformats.org/markup-compatibility/2006">
-    <mc:Choice xmlns:p14="http://schemas.microsoft.com/office/powerpoint/2010/main" Requires="p14">
+  <mc:AlternateContent xmlns:mc="http://schemas.openxmlformats.org/markup-compatibility/2006" xmlns:p14="http://schemas.microsoft.com/office/powerpoint/2010/main">
+    <mc:Choice Requires="p14">
       <p:transition spd="med" p14:dur="700">
         <p:fade/>
       </p:transition>
     </mc:Choice>
-    <mc:Fallback>
+    <mc:Fallback xmlns="">
       <p:transition spd="med">
         <p:fade/>
       </p:transition>
@@ -27214,19 +27309,6 @@
               </a:rPr>
               <a:t>MSE: training set</a:t>
             </a:r>
-            <a:endParaRPr lang="en-US" sz="2400" dirty="0" smtClean="0">
-              <a:gradFill>
-                <a:gsLst>
-                  <a:gs pos="2917">
-                    <a:schemeClr val="tx1"/>
-                  </a:gs>
-                  <a:gs pos="30000">
-                    <a:schemeClr val="tx1"/>
-                  </a:gs>
-                </a:gsLst>
-                <a:lin ang="5400000" scaled="0"/>
-              </a:gradFill>
-            </a:endParaRPr>
           </a:p>
         </p:txBody>
       </p:sp>
@@ -27314,13 +27396,13 @@
   <p:clrMapOvr>
     <a:masterClrMapping/>
   </p:clrMapOvr>
-  <mc:AlternateContent xmlns:mc="http://schemas.openxmlformats.org/markup-compatibility/2006">
-    <mc:Choice xmlns:p14="http://schemas.microsoft.com/office/powerpoint/2010/main" Requires="p14">
+  <mc:AlternateContent xmlns:mc="http://schemas.openxmlformats.org/markup-compatibility/2006" xmlns:p14="http://schemas.microsoft.com/office/powerpoint/2010/main">
+    <mc:Choice Requires="p14">
       <p:transition spd="med" p14:dur="700">
         <p:fade/>
       </p:transition>
     </mc:Choice>
-    <mc:Fallback>
+    <mc:Fallback xmlns="">
       <p:transition spd="med">
         <p:fade/>
       </p:transition>
@@ -27495,19 +27577,6 @@
               </a:rPr>
               <a:t>The blue curve gets closest to the black (truth) curve</a:t>
             </a:r>
-            <a:endParaRPr lang="en-US" sz="2400" dirty="0" smtClean="0">
-              <a:gradFill>
-                <a:gsLst>
-                  <a:gs pos="2917">
-                    <a:schemeClr val="tx1"/>
-                  </a:gs>
-                  <a:gs pos="30000">
-                    <a:schemeClr val="tx1"/>
-                  </a:gs>
-                </a:gsLst>
-                <a:lin ang="5400000" scaled="0"/>
-              </a:gradFill>
-            </a:endParaRPr>
           </a:p>
         </p:txBody>
       </p:sp>
@@ -27520,7 +27589,7 @@
         <p:spPr>
           <a:xfrm>
             <a:off x="313832" y="1865593"/>
-            <a:ext cx="3371990" cy="960263"/>
+            <a:ext cx="3371990" cy="1292662"/>
           </a:xfrm>
           <a:prstGeom prst="rect">
             <a:avLst/>
@@ -27587,7 +27656,23 @@
                   <a:lin ang="5400000" scaled="0"/>
                 </a:gradFill>
               </a:rPr>
-              <a:t>” the data</a:t>
+              <a:t>” the </a:t>
+            </a:r>
+            <a:r>
+              <a:rPr lang="en-US" sz="2400" dirty="0" smtClean="0">
+                <a:gradFill>
+                  <a:gsLst>
+                    <a:gs pos="2917">
+                      <a:schemeClr val="tx1"/>
+                    </a:gs>
+                    <a:gs pos="30000">
+                      <a:schemeClr val="tx1"/>
+                    </a:gs>
+                  </a:gsLst>
+                  <a:lin ang="5400000" scaled="0"/>
+                </a:gradFill>
+              </a:rPr>
+              <a:t>data. It fits the noise.</a:t>
             </a:r>
             <a:endParaRPr lang="en-US" sz="2400" dirty="0" smtClean="0">
               <a:gradFill>
@@ -27615,13 +27700,13 @@
   <p:clrMapOvr>
     <a:masterClrMapping/>
   </p:clrMapOvr>
-  <mc:AlternateContent xmlns:mc="http://schemas.openxmlformats.org/markup-compatibility/2006">
-    <mc:Choice xmlns:p14="http://schemas.microsoft.com/office/powerpoint/2010/main" Requires="p14">
+  <mc:AlternateContent xmlns:mc="http://schemas.openxmlformats.org/markup-compatibility/2006" xmlns:p14="http://schemas.microsoft.com/office/powerpoint/2010/main">
+    <mc:Choice Requires="p14">
       <p:transition spd="med" p14:dur="700">
         <p:fade/>
       </p:transition>
     </mc:Choice>
-    <mc:Fallback>
+    <mc:Fallback xmlns="">
       <p:transition spd="med">
         <p:fade/>
       </p:transition>
@@ -28143,8 +28228,8 @@
           </a:p>
         </p:txBody>
       </p:sp>
-      <mc:AlternateContent xmlns:mc="http://schemas.openxmlformats.org/markup-compatibility/2006">
-        <mc:Choice xmlns:a14="http://schemas.microsoft.com/office/drawing/2010/main" Requires="a14">
+      <mc:AlternateContent xmlns:mc="http://schemas.openxmlformats.org/markup-compatibility/2006" xmlns:a14="http://schemas.microsoft.com/office/drawing/2010/main">
+        <mc:Choice Requires="a14">
           <p:sp>
             <p:nvSpPr>
               <p:cNvPr id="3" name="Text Placeholder 2"/>
@@ -28183,15 +28268,7 @@
                       <a:schemeClr val="tx1"/>
                     </a:solidFill>
                   </a:rPr>
-                  <a:t>Randomly select observations (rows) to be in the test set</a:t>
-                </a:r>
-                <a:r>
-                  <a:rPr lang="en-US" sz="2800" dirty="0" smtClean="0">
-                    <a:solidFill>
-                      <a:schemeClr val="tx1"/>
-                    </a:solidFill>
-                  </a:rPr>
-                  <a:t>. The remainder are the training set.</a:t>
+                  <a:t>Randomly select observations (rows) to be in the test set. The remainder are the training set.</a:t>
                 </a:r>
               </a:p>
               <a:p>
@@ -28373,7 +28450,7 @@
             </p:txBody>
           </p:sp>
         </mc:Choice>
-        <mc:Fallback>
+        <mc:Fallback xmlns="">
           <p:sp>
             <p:nvSpPr>
               <p:cNvPr id="3" name="Text Placeholder 2"/>
@@ -28421,13 +28498,13 @@
   <p:clrMapOvr>
     <a:masterClrMapping/>
   </p:clrMapOvr>
-  <mc:AlternateContent xmlns:mc="http://schemas.openxmlformats.org/markup-compatibility/2006">
-    <mc:Choice xmlns:p14="http://schemas.microsoft.com/office/powerpoint/2010/main" Requires="p14">
+  <mc:AlternateContent xmlns:mc="http://schemas.openxmlformats.org/markup-compatibility/2006" xmlns:p14="http://schemas.microsoft.com/office/powerpoint/2010/main">
+    <mc:Choice Requires="p14">
       <p:transition spd="med" p14:dur="700">
         <p:fade/>
       </p:transition>
     </mc:Choice>
-    <mc:Fallback>
+    <mc:Fallback xmlns="">
       <p:transition spd="med">
         <p:fade/>
       </p:transition>
@@ -28477,109 +28554,266 @@
           <a:p>
             <a:r>
               <a:rPr lang="en-US" dirty="0" smtClean="0"/>
-              <a:t>Things to keep in mind</a:t>
+              <a:t>R-squared</a:t>
             </a:r>
             <a:endParaRPr lang="en-US" dirty="0"/>
+          </a:p>
+        </p:txBody>
+      </p:sp>
+      <p:pic>
+        <p:nvPicPr>
+          <p:cNvPr id="5" name="Picture 4"/>
+          <p:cNvPicPr>
+            <a:picLocks noChangeAspect="1"/>
+          </p:cNvPicPr>
+          <p:nvPr/>
+        </p:nvPicPr>
+        <p:blipFill>
+          <a:blip r:embed="rId3"/>
+          <a:stretch>
+            <a:fillRect/>
+          </a:stretch>
+        </p:blipFill>
+        <p:spPr>
+          <a:xfrm>
+            <a:off x="1286251" y="1357800"/>
+            <a:ext cx="5762625" cy="1676400"/>
+          </a:xfrm>
+          <a:prstGeom prst="rect">
+            <a:avLst/>
+          </a:prstGeom>
+        </p:spPr>
+      </p:pic>
+      <p:sp>
+        <p:nvSpPr>
+          <p:cNvPr id="6" name="TextBox 5"/>
+          <p:cNvSpPr txBox="1"/>
+          <p:nvPr/>
+        </p:nvSpPr>
+        <p:spPr>
+          <a:xfrm>
+            <a:off x="7426578" y="3256452"/>
+            <a:ext cx="3956530" cy="960263"/>
+          </a:xfrm>
+          <a:prstGeom prst="rect">
+            <a:avLst/>
+          </a:prstGeom>
+          <a:noFill/>
+        </p:spPr>
+        <p:txBody>
+          <a:bodyPr wrap="square" lIns="182880" tIns="146304" rIns="182880" bIns="146304" rtlCol="0">
+            <a:spAutoFit/>
+          </a:bodyPr>
+          <a:lstStyle/>
+          <a:p>
+            <a:pPr>
+              <a:lnSpc>
+                <a:spcPct val="90000"/>
+              </a:lnSpc>
+              <a:spcAft>
+                <a:spcPts val="600"/>
+              </a:spcAft>
+            </a:pPr>
+            <a:r>
+              <a:rPr lang="en-US" sz="2400" dirty="0" smtClean="0">
+                <a:gradFill>
+                  <a:gsLst>
+                    <a:gs pos="2917">
+                      <a:schemeClr val="tx1"/>
+                    </a:gs>
+                    <a:gs pos="30000">
+                      <a:schemeClr val="tx1"/>
+                    </a:gs>
+                  </a:gsLst>
+                  <a:lin ang="5400000" scaled="0"/>
+                </a:gradFill>
+              </a:rPr>
+              <a:t>Total variation in outcome variable</a:t>
+            </a:r>
+            <a:endParaRPr lang="en-US" sz="2400" dirty="0" smtClean="0">
+              <a:gradFill>
+                <a:gsLst>
+                  <a:gs pos="2917">
+                    <a:schemeClr val="tx1"/>
+                  </a:gs>
+                  <a:gs pos="30000">
+                    <a:schemeClr val="tx1"/>
+                  </a:gs>
+                </a:gsLst>
+                <a:lin ang="5400000" scaled="0"/>
+              </a:gradFill>
+            </a:endParaRPr>
+          </a:p>
+        </p:txBody>
+      </p:sp>
+      <p:pic>
+        <p:nvPicPr>
+          <p:cNvPr id="8" name="Picture 7"/>
+          <p:cNvPicPr>
+            <a:picLocks noChangeAspect="1"/>
+          </p:cNvPicPr>
+          <p:nvPr/>
+        </p:nvPicPr>
+        <p:blipFill>
+          <a:blip r:embed="rId4"/>
+          <a:stretch>
+            <a:fillRect/>
+          </a:stretch>
+        </p:blipFill>
+        <p:spPr>
+          <a:xfrm>
+            <a:off x="839909" y="4723789"/>
+            <a:ext cx="6067425" cy="1485900"/>
+          </a:xfrm>
+          <a:prstGeom prst="rect">
+            <a:avLst/>
+          </a:prstGeom>
+        </p:spPr>
+      </p:pic>
+      <p:pic>
+        <p:nvPicPr>
+          <p:cNvPr id="9" name="Picture 8"/>
+          <p:cNvPicPr>
+            <a:picLocks noChangeAspect="1"/>
+          </p:cNvPicPr>
+          <p:nvPr/>
+        </p:nvPicPr>
+        <p:blipFill>
+          <a:blip r:embed="rId5"/>
+          <a:stretch>
+            <a:fillRect/>
+          </a:stretch>
+        </p:blipFill>
+        <p:spPr>
+          <a:xfrm>
+            <a:off x="1956765" y="3173692"/>
+            <a:ext cx="4472852" cy="793385"/>
+          </a:xfrm>
+          <a:prstGeom prst="rect">
+            <a:avLst/>
+          </a:prstGeom>
+        </p:spPr>
+      </p:pic>
+      <p:sp>
+        <p:nvSpPr>
+          <p:cNvPr id="10" name="TextBox 9"/>
+          <p:cNvSpPr txBox="1"/>
+          <p:nvPr/>
+        </p:nvSpPr>
+        <p:spPr>
+          <a:xfrm>
+            <a:off x="7426578" y="2034468"/>
+            <a:ext cx="3956530" cy="627864"/>
+          </a:xfrm>
+          <a:prstGeom prst="rect">
+            <a:avLst/>
+          </a:prstGeom>
+          <a:noFill/>
+        </p:spPr>
+        <p:txBody>
+          <a:bodyPr wrap="square" lIns="182880" tIns="146304" rIns="182880" bIns="146304" rtlCol="0">
+            <a:spAutoFit/>
+          </a:bodyPr>
+          <a:lstStyle/>
+          <a:p>
+            <a:pPr>
+              <a:lnSpc>
+                <a:spcPct val="90000"/>
+              </a:lnSpc>
+              <a:spcAft>
+                <a:spcPts val="600"/>
+              </a:spcAft>
+            </a:pPr>
+            <a:r>
+              <a:rPr lang="en-US" sz="2400" dirty="0" smtClean="0">
+                <a:gradFill>
+                  <a:gsLst>
+                    <a:gs pos="2917">
+                      <a:schemeClr val="tx1"/>
+                    </a:gs>
+                    <a:gs pos="30000">
+                      <a:schemeClr val="tx1"/>
+                    </a:gs>
+                  </a:gsLst>
+                  <a:lin ang="5400000" scaled="0"/>
+                </a:gradFill>
+              </a:rPr>
+              <a:t>Residual sum of squares</a:t>
+            </a:r>
+            <a:endParaRPr lang="en-US" sz="2400" dirty="0" smtClean="0">
+              <a:gradFill>
+                <a:gsLst>
+                  <a:gs pos="2917">
+                    <a:schemeClr val="tx1"/>
+                  </a:gs>
+                  <a:gs pos="30000">
+                    <a:schemeClr val="tx1"/>
+                  </a:gs>
+                </a:gsLst>
+                <a:lin ang="5400000" scaled="0"/>
+              </a:gradFill>
+            </a:endParaRPr>
           </a:p>
         </p:txBody>
       </p:sp>
       <p:sp>
         <p:nvSpPr>
-          <p:cNvPr id="3" name="Text Placeholder 2"/>
-          <p:cNvSpPr>
-            <a:spLocks noGrp="1"/>
-          </p:cNvSpPr>
-          <p:nvPr>
-            <p:ph type="body" sz="quarter" idx="10"/>
-          </p:nvPr>
+          <p:cNvPr id="11" name="TextBox 10"/>
+          <p:cNvSpPr txBox="1"/>
+          <p:nvPr/>
         </p:nvSpPr>
         <p:spPr>
           <a:xfrm>
-            <a:off x="384155" y="1007167"/>
-            <a:ext cx="11669894" cy="5226046"/>
+            <a:off x="7426578" y="4628052"/>
+            <a:ext cx="3956530" cy="1292662"/>
           </a:xfrm>
+          <a:prstGeom prst="rect">
+            <a:avLst/>
+          </a:prstGeom>
+          <a:noFill/>
         </p:spPr>
         <p:txBody>
-          <a:bodyPr/>
+          <a:bodyPr wrap="square" lIns="182880" tIns="146304" rIns="182880" bIns="146304" rtlCol="0">
+            <a:spAutoFit/>
+          </a:bodyPr>
           <a:lstStyle/>
           <a:p>
-            <a:endParaRPr lang="en-US" sz="3600" dirty="0" smtClean="0">
-              <a:solidFill>
-                <a:schemeClr val="tx1"/>
-              </a:solidFill>
-            </a:endParaRPr>
-          </a:p>
-          <a:p>
+            <a:pPr>
+              <a:lnSpc>
+                <a:spcPct val="90000"/>
+              </a:lnSpc>
+              <a:spcAft>
+                <a:spcPts val="600"/>
+              </a:spcAft>
+            </a:pPr>
             <a:r>
-              <a:rPr lang="en-US" sz="3600" dirty="0" smtClean="0">
-                <a:solidFill>
-                  <a:schemeClr val="tx1"/>
-                </a:solidFill>
+              <a:rPr lang="en-US" sz="2400" dirty="0" smtClean="0">
+                <a:gradFill>
+                  <a:gsLst>
+                    <a:gs pos="2917">
+                      <a:schemeClr val="tx1"/>
+                    </a:gs>
+                    <a:gs pos="30000">
+                      <a:schemeClr val="tx1"/>
+                    </a:gs>
+                  </a:gsLst>
+                  <a:lin ang="5400000" scaled="0"/>
+                </a:gradFill>
               </a:rPr>
-              <a:t>It is critical to have the right </a:t>
+              <a:t>Fraction of the variation in the outcome variable captured by the model</a:t>
             </a:r>
-            <a:r>
-              <a:rPr lang="en-US" sz="3600" i="1" dirty="0" smtClean="0">
-                <a:solidFill>
-                  <a:schemeClr val="tx1"/>
-                </a:solidFill>
-              </a:rPr>
-              <a:t>features </a:t>
-            </a:r>
-            <a:r>
-              <a:rPr lang="en-US" sz="3600" dirty="0" smtClean="0">
-                <a:solidFill>
-                  <a:schemeClr val="tx1"/>
-                </a:solidFill>
-              </a:rPr>
-              <a:t>and </a:t>
-            </a:r>
-            <a:r>
-              <a:rPr lang="en-US" sz="3600" i="1" dirty="0" smtClean="0">
-                <a:solidFill>
-                  <a:schemeClr val="tx1"/>
-                </a:solidFill>
-              </a:rPr>
-              <a:t>functional form</a:t>
-            </a:r>
-          </a:p>
-          <a:p>
-            <a:endParaRPr lang="en-US" sz="3600" i="1" dirty="0">
-              <a:solidFill>
-                <a:schemeClr val="tx1"/>
-              </a:solidFill>
-            </a:endParaRPr>
-          </a:p>
-          <a:p>
-            <a:r>
-              <a:rPr lang="en-US" sz="3600" dirty="0" smtClean="0">
-                <a:solidFill>
-                  <a:schemeClr val="tx1"/>
-                </a:solidFill>
-              </a:rPr>
-              <a:t>Linear regression can accommodate anything that “enters linearly” (e.g. log(x))</a:t>
-            </a:r>
-          </a:p>
-          <a:p>
-            <a:endParaRPr lang="en-US" sz="3600" dirty="0">
-              <a:solidFill>
-                <a:schemeClr val="tx1"/>
-              </a:solidFill>
-            </a:endParaRPr>
-          </a:p>
-          <a:p>
-            <a:r>
-              <a:rPr lang="en-US" sz="3600" dirty="0" smtClean="0">
-                <a:solidFill>
-                  <a:schemeClr val="tx1"/>
-                </a:solidFill>
-              </a:rPr>
-              <a:t>Standard errors capture uncertainty due to sampling variation, not whether I have the right model or interpretation </a:t>
-            </a:r>
-            <a:endParaRPr lang="en-US" sz="3600" dirty="0">
-              <a:solidFill>
-                <a:schemeClr val="tx1"/>
-              </a:solidFill>
+            <a:endParaRPr lang="en-US" sz="2400" dirty="0" smtClean="0">
+              <a:gradFill>
+                <a:gsLst>
+                  <a:gs pos="2917">
+                    <a:schemeClr val="tx1"/>
+                  </a:gs>
+                  <a:gs pos="30000">
+                    <a:schemeClr val="tx1"/>
+                  </a:gs>
+                </a:gsLst>
+                <a:lin ang="5400000" scaled="0"/>
+              </a:gradFill>
             </a:endParaRPr>
           </a:p>
         </p:txBody>
@@ -28587,20 +28821,599 @@
     </p:spTree>
     <p:extLst>
       <p:ext uri="{BB962C8B-B14F-4D97-AF65-F5344CB8AC3E}">
-        <p14:creationId xmlns:p14="http://schemas.microsoft.com/office/powerpoint/2010/main" val="3118755477"/>
+        <p14:creationId xmlns:p14="http://schemas.microsoft.com/office/powerpoint/2010/main" val="2082788788"/>
       </p:ext>
     </p:extLst>
   </p:cSld>
   <p:clrMapOvr>
     <a:masterClrMapping/>
   </p:clrMapOvr>
-  <mc:AlternateContent xmlns:mc="http://schemas.openxmlformats.org/markup-compatibility/2006" xmlns:p14="http://schemas.microsoft.com/office/powerpoint/2010/main">
-    <mc:Choice Requires="p14">
+  <mc:AlternateContent xmlns:mc="http://schemas.openxmlformats.org/markup-compatibility/2006">
+    <mc:Choice xmlns:p14="http://schemas.microsoft.com/office/powerpoint/2010/main" Requires="p14">
       <p:transition spd="med" p14:dur="700">
         <p:fade/>
       </p:transition>
     </mc:Choice>
-    <mc:Fallback xmlns="">
+    <mc:Fallback>
+      <p:transition spd="med">
+        <p:fade/>
+      </p:transition>
+    </mc:Fallback>
+  </mc:AlternateContent>
+  <p:timing>
+    <p:tnLst>
+      <p:par>
+        <p:cTn id="1" dur="indefinite" restart="never" nodeType="tmRoot"/>
+      </p:par>
+    </p:tnLst>
+  </p:timing>
+</p:sld>
+</file>
+
+<file path=ppt/slides/slide22.xml><?xml version="1.0" encoding="utf-8"?>
+<p:sld xmlns:a="http://schemas.openxmlformats.org/drawingml/2006/main" xmlns:r="http://schemas.openxmlformats.org/officeDocument/2006/relationships" xmlns:p="http://schemas.openxmlformats.org/presentationml/2006/main">
+  <p:cSld>
+    <p:spTree>
+      <p:nvGrpSpPr>
+        <p:cNvPr id="1" name=""/>
+        <p:cNvGrpSpPr/>
+        <p:nvPr/>
+      </p:nvGrpSpPr>
+      <p:grpSpPr>
+        <a:xfrm>
+          <a:off x="0" y="0"/>
+          <a:ext cx="0" cy="0"/>
+          <a:chOff x="0" y="0"/>
+          <a:chExt cx="0" cy="0"/>
+        </a:xfrm>
+      </p:grpSpPr>
+      <p:sp>
+        <p:nvSpPr>
+          <p:cNvPr id="2" name="Title 1"/>
+          <p:cNvSpPr>
+            <a:spLocks noGrp="1"/>
+          </p:cNvSpPr>
+          <p:nvPr>
+            <p:ph type="title"/>
+          </p:nvPr>
+        </p:nvSpPr>
+        <p:spPr/>
+        <p:txBody>
+          <a:bodyPr/>
+          <a:lstStyle/>
+          <a:p>
+            <a:r>
+              <a:rPr lang="en-US" dirty="0" smtClean="0"/>
+              <a:t>R-squared cont.</a:t>
+            </a:r>
+            <a:endParaRPr lang="en-US" dirty="0"/>
+          </a:p>
+        </p:txBody>
+      </p:sp>
+      <mc:AlternateContent xmlns:mc="http://schemas.openxmlformats.org/markup-compatibility/2006">
+        <mc:Choice xmlns:a14="http://schemas.microsoft.com/office/drawing/2010/main" Requires="a14">
+          <p:sp>
+            <p:nvSpPr>
+              <p:cNvPr id="12" name="Text Placeholder 2"/>
+              <p:cNvSpPr>
+                <a:spLocks noGrp="1"/>
+              </p:cNvSpPr>
+              <p:nvPr>
+                <p:ph type="body" sz="quarter" idx="10"/>
+              </p:nvPr>
+            </p:nvSpPr>
+            <p:spPr>
+              <a:xfrm>
+                <a:off x="274320" y="1607960"/>
+                <a:ext cx="11669894" cy="3742563"/>
+              </a:xfrm>
+            </p:spPr>
+            <p:txBody>
+              <a:bodyPr/>
+              <a:lstStyle/>
+              <a:p>
+                <a:endParaRPr lang="en-US" sz="2000" dirty="0" smtClean="0">
+                  <a:solidFill>
+                    <a:schemeClr val="tx1"/>
+                  </a:solidFill>
+                  <a:latin typeface="+mn-lt"/>
+                </a:endParaRPr>
+              </a:p>
+              <a:p>
+                <a:pPr marL="342900" indent="-342900">
+                  <a:buFont typeface="Arial" panose="020B0604020202020204" pitchFamily="34" charset="0"/>
+                  <a:buChar char="•"/>
+                </a:pPr>
+                <a:r>
+                  <a:rPr lang="en-US" sz="2800" dirty="0" smtClean="0">
+                    <a:solidFill>
+                      <a:schemeClr val="tx1"/>
+                    </a:solidFill>
+                  </a:rPr>
+                  <a:t>R-squared is reported for the training data. That is, it is “in sample”</a:t>
+                </a:r>
+              </a:p>
+              <a:p>
+                <a:pPr marL="342900" indent="-342900">
+                  <a:buFont typeface="Arial" panose="020B0604020202020204" pitchFamily="34" charset="0"/>
+                  <a:buChar char="•"/>
+                </a:pPr>
+                <a:r>
+                  <a:rPr lang="en-US" sz="2800" dirty="0" smtClean="0">
+                    <a:solidFill>
+                      <a:schemeClr val="tx1"/>
+                    </a:solidFill>
+                  </a:rPr>
+                  <a:t>We learned that we typically want to use out-of-sample evaluation metrics, what do you we do</a:t>
+                </a:r>
+                <a:endParaRPr lang="en-US" sz="2800" dirty="0" smtClean="0">
+                  <a:solidFill>
+                    <a:schemeClr val="tx1"/>
+                  </a:solidFill>
+                </a:endParaRPr>
+              </a:p>
+              <a:p>
+                <a:pPr marL="342900" indent="-342900">
+                  <a:buFont typeface="Arial" panose="020B0604020202020204" pitchFamily="34" charset="0"/>
+                  <a:buChar char="•"/>
+                </a:pPr>
+                <a:r>
+                  <a:rPr lang="en-US" sz="2800" dirty="0" smtClean="0">
+                    <a:solidFill>
+                      <a:schemeClr val="tx1"/>
+                    </a:solidFill>
+                  </a:rPr>
+                  <a:t>It turns out that </a:t>
+                </a:r>
+                <a14:m>
+                  <m:oMath xmlns:m="http://schemas.openxmlformats.org/officeDocument/2006/math">
+                    <m:sSup>
+                      <m:sSupPr>
+                        <m:ctrlPr>
+                          <a:rPr lang="en-US" sz="2800" b="0" i="1" smtClean="0">
+                            <a:solidFill>
+                              <a:schemeClr val="tx1"/>
+                            </a:solidFill>
+                            <a:latin typeface="Cambria Math" panose="02040503050406030204" pitchFamily="18" charset="0"/>
+                          </a:rPr>
+                        </m:ctrlPr>
+                      </m:sSupPr>
+                      <m:e>
+                        <m:r>
+                          <a:rPr lang="en-US" sz="2800" b="0" i="1" smtClean="0">
+                            <a:solidFill>
+                              <a:schemeClr val="tx1"/>
+                            </a:solidFill>
+                            <a:latin typeface="Cambria Math" panose="02040503050406030204" pitchFamily="18" charset="0"/>
+                          </a:rPr>
+                          <m:t>𝑅</m:t>
+                        </m:r>
+                      </m:e>
+                      <m:sup>
+                        <m:r>
+                          <a:rPr lang="en-US" sz="2800" b="0" i="1" smtClean="0">
+                            <a:solidFill>
+                              <a:schemeClr val="tx1"/>
+                            </a:solidFill>
+                            <a:latin typeface="Cambria Math" panose="02040503050406030204" pitchFamily="18" charset="0"/>
+                          </a:rPr>
+                          <m:t>2</m:t>
+                        </m:r>
+                      </m:sup>
+                    </m:sSup>
+                    <m:r>
+                      <a:rPr lang="en-US" sz="2800" b="0" i="1" smtClean="0">
+                        <a:solidFill>
+                          <a:schemeClr val="tx1"/>
+                        </a:solidFill>
+                        <a:latin typeface="Cambria Math" panose="02040503050406030204" pitchFamily="18" charset="0"/>
+                      </a:rPr>
+                      <m:t>=</m:t>
+                    </m:r>
+                    <m:r>
+                      <a:rPr lang="en-US" sz="2800" b="0" i="1" smtClean="0">
+                        <a:solidFill>
+                          <a:schemeClr val="tx1"/>
+                        </a:solidFill>
+                        <a:latin typeface="Cambria Math" panose="02040503050406030204" pitchFamily="18" charset="0"/>
+                      </a:rPr>
+                      <m:t>𝑐𝑜𝑟𝑟</m:t>
+                    </m:r>
+                    <m:sSup>
+                      <m:sSupPr>
+                        <m:ctrlPr>
+                          <a:rPr lang="en-US" sz="2800" b="0" i="1" smtClean="0">
+                            <a:solidFill>
+                              <a:schemeClr val="tx1"/>
+                            </a:solidFill>
+                            <a:latin typeface="Cambria Math" panose="02040503050406030204" pitchFamily="18" charset="0"/>
+                          </a:rPr>
+                        </m:ctrlPr>
+                      </m:sSupPr>
+                      <m:e>
+                        <m:d>
+                          <m:dPr>
+                            <m:ctrlPr>
+                              <a:rPr lang="en-US" sz="2800" b="0" i="1" smtClean="0">
+                                <a:solidFill>
+                                  <a:schemeClr val="tx1"/>
+                                </a:solidFill>
+                                <a:latin typeface="Cambria Math" panose="02040503050406030204" pitchFamily="18" charset="0"/>
+                              </a:rPr>
+                            </m:ctrlPr>
+                          </m:dPr>
+                          <m:e>
+                            <m:acc>
+                              <m:accPr>
+                                <m:chr m:val="̂"/>
+                                <m:ctrlPr>
+                                  <a:rPr lang="en-US" sz="2800" b="0" i="1" smtClean="0">
+                                    <a:solidFill>
+                                      <a:schemeClr val="tx1"/>
+                                    </a:solidFill>
+                                    <a:latin typeface="Cambria Math" panose="02040503050406030204" pitchFamily="18" charset="0"/>
+                                  </a:rPr>
+                                </m:ctrlPr>
+                              </m:accPr>
+                              <m:e>
+                                <m:sSub>
+                                  <m:sSubPr>
+                                    <m:ctrlPr>
+                                      <a:rPr lang="en-US" sz="2800" b="0" i="1" smtClean="0">
+                                        <a:solidFill>
+                                          <a:schemeClr val="tx1"/>
+                                        </a:solidFill>
+                                        <a:latin typeface="Cambria Math" panose="02040503050406030204" pitchFamily="18" charset="0"/>
+                                      </a:rPr>
+                                    </m:ctrlPr>
+                                  </m:sSubPr>
+                                  <m:e>
+                                    <m:r>
+                                      <a:rPr lang="en-US" sz="2800" b="0" i="1" smtClean="0">
+                                        <a:solidFill>
+                                          <a:schemeClr val="tx1"/>
+                                        </a:solidFill>
+                                        <a:latin typeface="Cambria Math" panose="02040503050406030204" pitchFamily="18" charset="0"/>
+                                      </a:rPr>
+                                      <m:t>𝑦</m:t>
+                                    </m:r>
+                                  </m:e>
+                                  <m:sub>
+                                    <m:r>
+                                      <a:rPr lang="en-US" sz="2800" b="0" i="1" smtClean="0">
+                                        <a:solidFill>
+                                          <a:schemeClr val="tx1"/>
+                                        </a:solidFill>
+                                        <a:latin typeface="Cambria Math" panose="02040503050406030204" pitchFamily="18" charset="0"/>
+                                      </a:rPr>
+                                      <m:t>𝑖</m:t>
+                                    </m:r>
+                                  </m:sub>
+                                </m:sSub>
+                              </m:e>
+                            </m:acc>
+                            <m:r>
+                              <a:rPr lang="en-US" sz="2800" b="0" i="1" smtClean="0">
+                                <a:solidFill>
+                                  <a:schemeClr val="tx1"/>
+                                </a:solidFill>
+                                <a:latin typeface="Cambria Math" panose="02040503050406030204" pitchFamily="18" charset="0"/>
+                              </a:rPr>
+                              <m:t>,</m:t>
+                            </m:r>
+                            <m:sSub>
+                              <m:sSubPr>
+                                <m:ctrlPr>
+                                  <a:rPr lang="en-US" sz="2800" b="0" i="1" smtClean="0">
+                                    <a:solidFill>
+                                      <a:schemeClr val="tx1"/>
+                                    </a:solidFill>
+                                    <a:latin typeface="Cambria Math" panose="02040503050406030204" pitchFamily="18" charset="0"/>
+                                  </a:rPr>
+                                </m:ctrlPr>
+                              </m:sSubPr>
+                              <m:e>
+                                <m:r>
+                                  <a:rPr lang="en-US" sz="2800" b="0" i="1" smtClean="0">
+                                    <a:solidFill>
+                                      <a:schemeClr val="tx1"/>
+                                    </a:solidFill>
+                                    <a:latin typeface="Cambria Math" panose="02040503050406030204" pitchFamily="18" charset="0"/>
+                                  </a:rPr>
+                                  <m:t>𝑦</m:t>
+                                </m:r>
+                              </m:e>
+                              <m:sub>
+                                <m:r>
+                                  <a:rPr lang="en-US" sz="2800" b="0" i="1" smtClean="0">
+                                    <a:solidFill>
+                                      <a:schemeClr val="tx1"/>
+                                    </a:solidFill>
+                                    <a:latin typeface="Cambria Math" panose="02040503050406030204" pitchFamily="18" charset="0"/>
+                                  </a:rPr>
+                                  <m:t>𝑖</m:t>
+                                </m:r>
+                              </m:sub>
+                            </m:sSub>
+                          </m:e>
+                        </m:d>
+                      </m:e>
+                      <m:sup>
+                        <m:r>
+                          <a:rPr lang="en-US" sz="2800" b="0" i="1" smtClean="0">
+                            <a:solidFill>
+                              <a:schemeClr val="tx1"/>
+                            </a:solidFill>
+                            <a:latin typeface="Cambria Math" panose="02040503050406030204" pitchFamily="18" charset="0"/>
+                          </a:rPr>
+                          <m:t>2</m:t>
+                        </m:r>
+                      </m:sup>
+                    </m:sSup>
+                  </m:oMath>
+                </a14:m>
+                <a:endParaRPr lang="en-US" sz="2800" b="0" dirty="0" smtClean="0">
+                  <a:solidFill>
+                    <a:schemeClr val="tx1"/>
+                  </a:solidFill>
+                </a:endParaRPr>
+              </a:p>
+              <a:p>
+                <a:pPr marL="342900" indent="-342900">
+                  <a:buFont typeface="Arial" panose="020B0604020202020204" pitchFamily="34" charset="0"/>
+                  <a:buChar char="•"/>
+                </a:pPr>
+                <a:r>
+                  <a:rPr lang="en-US" sz="2800" dirty="0" smtClean="0">
+                    <a:solidFill>
+                      <a:schemeClr val="tx1"/>
+                    </a:solidFill>
+                  </a:rPr>
+                  <a:t>This means, </a:t>
+                </a:r>
+                <a14:m>
+                  <m:oMath xmlns:m="http://schemas.openxmlformats.org/officeDocument/2006/math">
+                    <m:r>
+                      <a:rPr lang="en-US" sz="2800" i="1">
+                        <a:solidFill>
+                          <a:schemeClr val="tx1"/>
+                        </a:solidFill>
+                        <a:latin typeface="Cambria Math" panose="02040503050406030204" pitchFamily="18" charset="0"/>
+                      </a:rPr>
+                      <m:t>𝑐𝑜𝑟𝑟</m:t>
+                    </m:r>
+                    <m:sSup>
+                      <m:sSupPr>
+                        <m:ctrlPr>
+                          <a:rPr lang="en-US" sz="2800" i="1">
+                            <a:solidFill>
+                              <a:schemeClr val="tx1"/>
+                            </a:solidFill>
+                            <a:latin typeface="Cambria Math" panose="02040503050406030204" pitchFamily="18" charset="0"/>
+                          </a:rPr>
+                        </m:ctrlPr>
+                      </m:sSupPr>
+                      <m:e>
+                        <m:d>
+                          <m:dPr>
+                            <m:ctrlPr>
+                              <a:rPr lang="en-US" sz="2800" i="1">
+                                <a:solidFill>
+                                  <a:schemeClr val="tx1"/>
+                                </a:solidFill>
+                                <a:latin typeface="Cambria Math" panose="02040503050406030204" pitchFamily="18" charset="0"/>
+                              </a:rPr>
+                            </m:ctrlPr>
+                          </m:dPr>
+                          <m:e>
+                            <m:acc>
+                              <m:accPr>
+                                <m:chr m:val="̂"/>
+                                <m:ctrlPr>
+                                  <a:rPr lang="en-US" sz="2800" i="1">
+                                    <a:solidFill>
+                                      <a:schemeClr val="tx1"/>
+                                    </a:solidFill>
+                                    <a:latin typeface="Cambria Math" panose="02040503050406030204" pitchFamily="18" charset="0"/>
+                                  </a:rPr>
+                                </m:ctrlPr>
+                              </m:accPr>
+                              <m:e>
+                                <m:sSub>
+                                  <m:sSubPr>
+                                    <m:ctrlPr>
+                                      <a:rPr lang="en-US" sz="2800" i="1">
+                                        <a:solidFill>
+                                          <a:schemeClr val="tx1"/>
+                                        </a:solidFill>
+                                        <a:latin typeface="Cambria Math" panose="02040503050406030204" pitchFamily="18" charset="0"/>
+                                      </a:rPr>
+                                    </m:ctrlPr>
+                                  </m:sSubPr>
+                                  <m:e>
+                                    <m:r>
+                                      <a:rPr lang="en-US" sz="2800" i="1">
+                                        <a:solidFill>
+                                          <a:schemeClr val="tx1"/>
+                                        </a:solidFill>
+                                        <a:latin typeface="Cambria Math" panose="02040503050406030204" pitchFamily="18" charset="0"/>
+                                      </a:rPr>
+                                      <m:t>𝑦</m:t>
+                                    </m:r>
+                                  </m:e>
+                                  <m:sub>
+                                    <m:r>
+                                      <a:rPr lang="en-US" sz="2800" i="1">
+                                        <a:solidFill>
+                                          <a:schemeClr val="tx1"/>
+                                        </a:solidFill>
+                                        <a:latin typeface="Cambria Math" panose="02040503050406030204" pitchFamily="18" charset="0"/>
+                                      </a:rPr>
+                                      <m:t>𝑖</m:t>
+                                    </m:r>
+                                  </m:sub>
+                                </m:sSub>
+                              </m:e>
+                            </m:acc>
+                            <m:r>
+                              <a:rPr lang="en-US" sz="2800" i="1">
+                                <a:solidFill>
+                                  <a:schemeClr val="tx1"/>
+                                </a:solidFill>
+                                <a:latin typeface="Cambria Math" panose="02040503050406030204" pitchFamily="18" charset="0"/>
+                              </a:rPr>
+                              <m:t>,</m:t>
+                            </m:r>
+                            <m:sSub>
+                              <m:sSubPr>
+                                <m:ctrlPr>
+                                  <a:rPr lang="en-US" sz="2800" i="1">
+                                    <a:solidFill>
+                                      <a:schemeClr val="tx1"/>
+                                    </a:solidFill>
+                                    <a:latin typeface="Cambria Math" panose="02040503050406030204" pitchFamily="18" charset="0"/>
+                                  </a:rPr>
+                                </m:ctrlPr>
+                              </m:sSubPr>
+                              <m:e>
+                                <m:r>
+                                  <a:rPr lang="en-US" sz="2800" i="1">
+                                    <a:solidFill>
+                                      <a:schemeClr val="tx1"/>
+                                    </a:solidFill>
+                                    <a:latin typeface="Cambria Math" panose="02040503050406030204" pitchFamily="18" charset="0"/>
+                                  </a:rPr>
+                                  <m:t>𝑦</m:t>
+                                </m:r>
+                              </m:e>
+                              <m:sub>
+                                <m:r>
+                                  <a:rPr lang="en-US" sz="2800" i="1">
+                                    <a:solidFill>
+                                      <a:schemeClr val="tx1"/>
+                                    </a:solidFill>
+                                    <a:latin typeface="Cambria Math" panose="02040503050406030204" pitchFamily="18" charset="0"/>
+                                  </a:rPr>
+                                  <m:t>𝑖</m:t>
+                                </m:r>
+                              </m:sub>
+                            </m:sSub>
+                          </m:e>
+                        </m:d>
+                      </m:e>
+                      <m:sup>
+                        <m:r>
+                          <a:rPr lang="en-US" sz="2800" i="1">
+                            <a:solidFill>
+                              <a:schemeClr val="tx1"/>
+                            </a:solidFill>
+                            <a:latin typeface="Cambria Math" panose="02040503050406030204" pitchFamily="18" charset="0"/>
+                          </a:rPr>
+                          <m:t>2</m:t>
+                        </m:r>
+                      </m:sup>
+                    </m:sSup>
+                  </m:oMath>
+                </a14:m>
+                <a:r>
+                  <a:rPr lang="en-US" sz="2800" b="0" dirty="0" smtClean="0">
+                    <a:solidFill>
+                      <a:schemeClr val="tx1"/>
+                    </a:solidFill>
+                  </a:rPr>
+                  <a:t>, for my test set can be interpreted just like R-squared (% of variation </a:t>
+                </a:r>
+                <a:r>
+                  <a:rPr lang="en-US" sz="2800" b="0" dirty="0" err="1" smtClean="0">
+                    <a:solidFill>
+                      <a:schemeClr val="tx1"/>
+                    </a:solidFill>
+                  </a:rPr>
+                  <a:t>explaine</a:t>
+                </a:r>
+                <a:r>
+                  <a:rPr lang="en-US" sz="2800" b="0" smtClean="0">
+                    <a:solidFill>
+                      <a:schemeClr val="tx1"/>
+                    </a:solidFill>
+                  </a:rPr>
+                  <a:t>)</a:t>
+                </a:r>
+                <a:endParaRPr lang="en-US" sz="2800" b="0" dirty="0" smtClean="0">
+                  <a:solidFill>
+                    <a:schemeClr val="tx1"/>
+                  </a:solidFill>
+                </a:endParaRPr>
+              </a:p>
+              <a:p>
+                <a:pPr marL="342900" indent="-342900">
+                  <a:buFont typeface="Arial" panose="020B0604020202020204" pitchFamily="34" charset="0"/>
+                  <a:buChar char="•"/>
+                </a:pPr>
+                <a:endParaRPr lang="en-US" sz="3600" dirty="0">
+                  <a:solidFill>
+                    <a:schemeClr val="tx1"/>
+                  </a:solidFill>
+                </a:endParaRPr>
+              </a:p>
+            </p:txBody>
+          </p:sp>
+        </mc:Choice>
+        <mc:Fallback>
+          <p:sp>
+            <p:nvSpPr>
+              <p:cNvPr id="12" name="Text Placeholder 2"/>
+              <p:cNvSpPr>
+                <a:spLocks noGrp="1" noRot="1" noChangeAspect="1" noMove="1" noResize="1" noEditPoints="1" noAdjustHandles="1" noChangeArrowheads="1" noChangeShapeType="1" noTextEdit="1"/>
+              </p:cNvSpPr>
+              <p:nvPr>
+                <p:ph type="body" sz="quarter" idx="10"/>
+              </p:nvPr>
+            </p:nvSpPr>
+            <p:spPr>
+              <a:xfrm>
+                <a:off x="274320" y="1607960"/>
+                <a:ext cx="11669894" cy="3742563"/>
+              </a:xfrm>
+              <a:blipFill rotWithShape="0">
+                <a:blip r:embed="rId3"/>
+                <a:stretch>
+                  <a:fillRect l="-313"/>
+                </a:stretch>
+              </a:blipFill>
+            </p:spPr>
+            <p:txBody>
+              <a:bodyPr/>
+              <a:lstStyle/>
+              <a:p>
+                <a:r>
+                  <a:rPr lang="en-US">
+                    <a:noFill/>
+                  </a:rPr>
+                  <a:t> </a:t>
+                </a:r>
+              </a:p>
+            </p:txBody>
+          </p:sp>
+        </mc:Fallback>
+      </mc:AlternateContent>
+    </p:spTree>
+    <p:extLst>
+      <p:ext uri="{BB962C8B-B14F-4D97-AF65-F5344CB8AC3E}">
+        <p14:creationId xmlns:p14="http://schemas.microsoft.com/office/powerpoint/2010/main" val="1786234323"/>
+      </p:ext>
+    </p:extLst>
+  </p:cSld>
+  <p:clrMapOvr>
+    <a:masterClrMapping/>
+  </p:clrMapOvr>
+  <mc:AlternateContent xmlns:mc="http://schemas.openxmlformats.org/markup-compatibility/2006">
+    <mc:Choice xmlns:p14="http://schemas.microsoft.com/office/powerpoint/2010/main" Requires="p14">
+      <p:transition spd="med" p14:dur="700">
+        <p:fade/>
+      </p:transition>
+    </mc:Choice>
+    <mc:Fallback>
       <p:transition spd="med">
         <p:fade/>
       </p:transition>
@@ -30293,8 +31106,8 @@
           </a:p>
         </p:txBody>
       </p:sp>
-      <mc:AlternateContent xmlns:mc="http://schemas.openxmlformats.org/markup-compatibility/2006">
-        <mc:Choice xmlns:a14="http://schemas.microsoft.com/office/drawing/2010/main" Requires="a14">
+      <mc:AlternateContent xmlns:mc="http://schemas.openxmlformats.org/markup-compatibility/2006" xmlns:a14="http://schemas.microsoft.com/office/drawing/2010/main">
+        <mc:Choice Requires="a14">
           <p:sp>
             <p:nvSpPr>
               <p:cNvPr id="3" name="Text Placeholder 2"/>
@@ -30613,25 +31426,7 @@
                           </a:solidFill>
                           <a:latin typeface="Cambria Math" panose="02040503050406030204" pitchFamily="18" charset="0"/>
                         </a:rPr>
-                        <m:t>=</m:t>
-                      </m:r>
-                      <m:r>
-                        <a:rPr lang="en-US" sz="3600" b="0" i="0" smtClean="0">
-                          <a:solidFill>
-                            <a:schemeClr val="tx1"/>
-                          </a:solidFill>
-                          <a:latin typeface="Cambria Math" panose="02040503050406030204" pitchFamily="18" charset="0"/>
-                        </a:rPr>
-                        <m:t>1</m:t>
-                      </m:r>
-                      <m:r>
-                        <a:rPr lang="en-US" sz="3600" b="0" i="0" smtClean="0">
-                          <a:solidFill>
-                            <a:schemeClr val="tx1"/>
-                          </a:solidFill>
-                          <a:latin typeface="Cambria Math" panose="02040503050406030204" pitchFamily="18" charset="0"/>
-                        </a:rPr>
-                        <m:t> </m:t>
+                        <m:t>=1 </m:t>
                       </m:r>
                       <m:r>
                         <m:rPr>
@@ -30695,25 +31490,7 @@
                           </a:solidFill>
                           <a:latin typeface="Cambria Math" panose="02040503050406030204" pitchFamily="18" charset="0"/>
                         </a:rPr>
-                        <m:t>=</m:t>
-                      </m:r>
-                      <m:r>
-                        <a:rPr lang="en-US" sz="3600" b="0" i="1" smtClean="0">
-                          <a:solidFill>
-                            <a:schemeClr val="tx1"/>
-                          </a:solidFill>
-                          <a:latin typeface="Cambria Math" panose="02040503050406030204" pitchFamily="18" charset="0"/>
-                        </a:rPr>
-                        <m:t>1</m:t>
-                      </m:r>
-                      <m:r>
-                        <a:rPr lang="en-US" sz="3600" b="0" i="1" smtClean="0">
-                          <a:solidFill>
-                            <a:schemeClr val="tx1"/>
-                          </a:solidFill>
-                          <a:latin typeface="Cambria Math" panose="02040503050406030204" pitchFamily="18" charset="0"/>
-                        </a:rPr>
-                        <m:t>−</m:t>
+                        <m:t>=1−</m:t>
                       </m:r>
                       <m:r>
                         <a:rPr lang="en-US" sz="3600" b="0" i="1" smtClean="0">
@@ -30781,25 +31558,7 @@
                           </a:solidFill>
                           <a:latin typeface="Cambria Math" panose="02040503050406030204" pitchFamily="18" charset="0"/>
                         </a:rPr>
-                        <m:t>=</m:t>
-                      </m:r>
-                      <m:r>
-                        <a:rPr lang="en-US" sz="3600" b="0" i="0" smtClean="0">
-                          <a:solidFill>
-                            <a:schemeClr val="tx1"/>
-                          </a:solidFill>
-                          <a:latin typeface="Cambria Math" panose="02040503050406030204" pitchFamily="18" charset="0"/>
-                        </a:rPr>
-                        <m:t>0</m:t>
-                      </m:r>
-                      <m:r>
-                        <a:rPr lang="en-US" sz="3600">
-                          <a:solidFill>
-                            <a:schemeClr val="tx1"/>
-                          </a:solidFill>
-                          <a:latin typeface="Cambria Math" panose="02040503050406030204" pitchFamily="18" charset="0"/>
-                        </a:rPr>
-                        <m:t> </m:t>
+                        <m:t>=0 </m:t>
                       </m:r>
                       <m:r>
                         <m:rPr>
@@ -30952,23 +31711,7 @@
                       <a:schemeClr val="tx1"/>
                     </a:solidFill>
                   </a:rPr>
-                  <a:t> is a constant, </a:t>
-                </a:r>
-                <a:r>
-                  <a:rPr lang="en-US" sz="3600" dirty="0" smtClean="0">
-                    <a:solidFill>
-                      <a:schemeClr val="tx1"/>
-                    </a:solidFill>
-                  </a:rPr>
-                  <a:t>called </a:t>
-                </a:r>
-                <a:r>
-                  <a:rPr lang="en-US" sz="3600" dirty="0" smtClean="0">
-                    <a:solidFill>
-                      <a:schemeClr val="tx1"/>
-                    </a:solidFill>
-                  </a:rPr>
-                  <a:t>the “success rate” </a:t>
+                  <a:t> is a constant, called the “success rate” </a:t>
                 </a:r>
               </a:p>
               <a:p>
@@ -30988,7 +31731,7 @@
             </p:txBody>
           </p:sp>
         </mc:Choice>
-        <mc:Fallback>
+        <mc:Fallback xmlns="">
           <p:sp>
             <p:nvSpPr>
               <p:cNvPr id="3" name="Text Placeholder 2"/>
@@ -31209,8 +31952,8 @@
           </a:p>
         </p:txBody>
       </p:sp>
-      <mc:AlternateContent xmlns:mc="http://schemas.openxmlformats.org/markup-compatibility/2006">
-        <mc:Choice xmlns:a14="http://schemas.microsoft.com/office/drawing/2010/main" Requires="a14">
+      <mc:AlternateContent xmlns:mc="http://schemas.openxmlformats.org/markup-compatibility/2006" xmlns:a14="http://schemas.microsoft.com/office/drawing/2010/main">
+        <mc:Choice Requires="a14">
           <p:sp>
             <p:nvSpPr>
               <p:cNvPr id="9" name="TextBox 8"/>
@@ -31482,24 +32225,11 @@
                   </a:rPr>
                   <a:t> would overstate growth in early and later years, and understate during puberty  </a:t>
                 </a:r>
-                <a:endParaRPr lang="en-US" sz="2400" dirty="0" smtClean="0">
-                  <a:gradFill>
-                    <a:gsLst>
-                      <a:gs pos="2917">
-                        <a:schemeClr val="tx1"/>
-                      </a:gs>
-                      <a:gs pos="30000">
-                        <a:schemeClr val="tx1"/>
-                      </a:gs>
-                    </a:gsLst>
-                    <a:lin ang="5400000" scaled="0"/>
-                  </a:gradFill>
-                </a:endParaRPr>
               </a:p>
             </p:txBody>
           </p:sp>
         </mc:Choice>
-        <mc:Fallback>
+        <mc:Fallback xmlns="">
           <p:sp>
             <p:nvSpPr>
               <p:cNvPr id="9" name="TextBox 8"/>
@@ -31660,8 +32390,8 @@
           </a:p>
         </p:txBody>
       </p:sp>
-      <mc:AlternateContent xmlns:mc="http://schemas.openxmlformats.org/markup-compatibility/2006">
-        <mc:Choice xmlns:a14="http://schemas.microsoft.com/office/drawing/2010/main" Requires="a14">
+      <mc:AlternateContent xmlns:mc="http://schemas.openxmlformats.org/markup-compatibility/2006" xmlns:a14="http://schemas.microsoft.com/office/drawing/2010/main">
+        <mc:Choice Requires="a14">
           <p:sp>
             <p:nvSpPr>
               <p:cNvPr id="3" name="Text Placeholder 2"/>
@@ -31883,7 +32613,6 @@
                 </a:endParaRPr>
               </a:p>
               <a:p>
-                <a:pPr/>
                 <a:endParaRPr lang="en-US" sz="1800" dirty="0" smtClean="0">
                   <a:solidFill>
                     <a:schemeClr val="tx1"/>
@@ -31891,7 +32620,6 @@
                 </a:endParaRPr>
               </a:p>
               <a:p>
-                <a:pPr/>
                 <a14:m>
                   <m:oMath xmlns:m="http://schemas.openxmlformats.org/officeDocument/2006/math">
                     <m:sSub>
@@ -31940,7 +32668,6 @@
                 </a:r>
               </a:p>
               <a:p>
-                <a:pPr/>
                 <a:endParaRPr lang="en-US" sz="1800" dirty="0">
                   <a:solidFill>
                     <a:schemeClr val="tx1"/>
@@ -31954,29 +32681,8 @@
                       <a:schemeClr val="tx1"/>
                     </a:solidFill>
                   </a:rPr>
-                  <a:t>To use a linear model, polynomial </a:t>
+                  <a:t>To use a linear model, polynomial features allow for a non-linear relationship between the feature, age, and the outcome, height.</a:t>
                 </a:r>
-                <a:r>
-                  <a:rPr lang="en-US" sz="3200" dirty="0" smtClean="0">
-                    <a:solidFill>
-                      <a:schemeClr val="tx1"/>
-                    </a:solidFill>
-                  </a:rPr>
-                  <a:t>features </a:t>
-                </a:r>
-                <a:r>
-                  <a:rPr lang="en-US" sz="3200" dirty="0" smtClean="0">
-                    <a:solidFill>
-                      <a:schemeClr val="tx1"/>
-                    </a:solidFill>
-                  </a:rPr>
-                  <a:t>allow for a non-linear relationship between the feature, age, and the outcome, height.</a:t>
-                </a:r>
-                <a:endParaRPr lang="en-US" sz="3200" dirty="0" smtClean="0">
-                  <a:solidFill>
-                    <a:schemeClr val="tx1"/>
-                  </a:solidFill>
-                </a:endParaRPr>
               </a:p>
               <a:p>
                 <a:endParaRPr lang="en-US" sz="3600" dirty="0">
@@ -32429,7 +33135,7 @@
             </p:txBody>
           </p:sp>
         </mc:Choice>
-        <mc:Fallback>
+        <mc:Fallback xmlns="">
           <p:sp>
             <p:nvSpPr>
               <p:cNvPr id="3" name="Text Placeholder 2"/>
@@ -32539,8 +33245,8 @@
           </a:p>
         </p:txBody>
       </p:sp>
-      <mc:AlternateContent xmlns:mc="http://schemas.openxmlformats.org/markup-compatibility/2006">
-        <mc:Choice xmlns:a14="http://schemas.microsoft.com/office/drawing/2010/main" Requires="a14">
+      <mc:AlternateContent xmlns:mc="http://schemas.openxmlformats.org/markup-compatibility/2006" xmlns:a14="http://schemas.microsoft.com/office/drawing/2010/main">
+        <mc:Choice Requires="a14">
           <p:sp>
             <p:nvSpPr>
               <p:cNvPr id="3" name="Text Placeholder 2"/>
@@ -33328,7 +34034,7 @@
             </p:txBody>
           </p:sp>
         </mc:Choice>
-        <mc:Fallback>
+        <mc:Fallback xmlns="">
           <p:sp>
             <p:nvSpPr>
               <p:cNvPr id="3" name="Text Placeholder 2"/>
@@ -34561,15 +35267,6 @@
 </file>
 
 <file path=customXml/item1.xml><?xml version="1.0" encoding="utf-8"?>
-<?mso-contentType ?>
-<FormTemplates xmlns="http://schemas.microsoft.com/sharepoint/v3/contenttype/forms">
-  <Display>DocumentLibraryForm</Display>
-  <Edit>DocumentLibraryForm</Edit>
-  <New>DocumentLibraryForm</New>
-</FormTemplates>
-</file>
-
-<file path=customXml/item2.xml><?xml version="1.0" encoding="utf-8"?>
 <ct:contentTypeSchema xmlns:ct="http://schemas.microsoft.com/office/2006/metadata/contentType" xmlns:ma="http://schemas.microsoft.com/office/2006/metadata/properties/metaAttributes" ct:_="" ma:_="" ma:contentTypeName="Document" ma:contentTypeID="0x010100AE191BF5D490314FB608A2EC79F271FE" ma:contentTypeVersion="1" ma:contentTypeDescription="Create a new document." ma:contentTypeScope="" ma:versionID="11ab8b5ef9dddaacad059f25af883992">
   <xsd:schema xmlns:xsd="http://www.w3.org/2001/XMLSchema" xmlns:xs="http://www.w3.org/2001/XMLSchema" xmlns:p="http://schemas.microsoft.com/office/2006/metadata/properties" xmlns:ns3="f760ca42-6bc8-4f0c-81d0-ac243bc76498" targetNamespace="http://schemas.microsoft.com/office/2006/metadata/properties" ma:root="true" ma:fieldsID="c6635b888e09e04d888f67dbf4ef6bc2" ns3:_="">
     <xsd:import namespace="f760ca42-6bc8-4f0c-81d0-ac243bc76498"/>
@@ -34709,6 +35406,15 @@
 </ct:contentTypeSchema>
 </file>
 
+<file path=customXml/item2.xml><?xml version="1.0" encoding="utf-8"?>
+<?mso-contentType ?>
+<FormTemplates xmlns="http://schemas.microsoft.com/sharepoint/v3/contenttype/forms">
+  <Display>DocumentLibraryForm</Display>
+  <Edit>DocumentLibraryForm</Edit>
+  <New>DocumentLibraryForm</New>
+</FormTemplates>
+</file>
+
 <file path=customXml/item3.xml><?xml version="1.0" encoding="utf-8"?>
 <p:properties xmlns:p="http://schemas.microsoft.com/office/2006/metadata/properties" xmlns:xsi="http://www.w3.org/2001/XMLSchema-instance" xmlns:pc="http://schemas.microsoft.com/office/infopath/2007/PartnerControls">
   <documentManagement/>
@@ -34716,14 +35422,6 @@
 </file>
 
 <file path=customXml/itemProps1.xml><?xml version="1.0" encoding="utf-8"?>
-<ds:datastoreItem xmlns:ds="http://schemas.openxmlformats.org/officeDocument/2006/customXml" ds:itemID="{758FDAC0-319D-4A54-8D8E-1D42CB1F8004}">
-  <ds:schemaRefs>
-    <ds:schemaRef ds:uri="http://schemas.microsoft.com/sharepoint/v3/contenttype/forms"/>
-  </ds:schemaRefs>
-</ds:datastoreItem>
-</file>
-
-<file path=customXml/itemProps2.xml><?xml version="1.0" encoding="utf-8"?>
 <ds:datastoreItem xmlns:ds="http://schemas.openxmlformats.org/officeDocument/2006/customXml" ds:itemID="{28DBF54E-2C59-4782-B447-BE5CC4E63115}">
   <ds:schemaRefs>
     <ds:schemaRef ds:uri="http://schemas.microsoft.com/office/2006/metadata/contentType"/>
@@ -34737,6 +35435,14 @@
     <ds:schemaRef ds:uri="http://purl.org/dc/elements/1.1/"/>
     <ds:schemaRef ds:uri="http://purl.org/dc/terms/"/>
     <ds:schemaRef ds:uri="http://schemas.microsoft.com/internal/obd"/>
+  </ds:schemaRefs>
+</ds:datastoreItem>
+</file>
+
+<file path=customXml/itemProps2.xml><?xml version="1.0" encoding="utf-8"?>
+<ds:datastoreItem xmlns:ds="http://schemas.openxmlformats.org/officeDocument/2006/customXml" ds:itemID="{758FDAC0-319D-4A54-8D8E-1D42CB1F8004}">
+  <ds:schemaRefs>
+    <ds:schemaRef ds:uri="http://schemas.microsoft.com/sharepoint/v3/contenttype/forms"/>
   </ds:schemaRefs>
 </ds:datastoreItem>
 </file>
